--- a/E-commerce_16_11_2016.pptx
+++ b/E-commerce_16_11_2016.pptx
@@ -6,9 +6,15 @@
   </p:sldMasterIdLst>
   <p:sldIdLst>
     <p:sldId id="256" r:id="rId2"/>
-    <p:sldId id="262" r:id="rId3"/>
-    <p:sldId id="261" r:id="rId4"/>
-    <p:sldId id="259" r:id="rId5"/>
+    <p:sldId id="263" r:id="rId3"/>
+    <p:sldId id="264" r:id="rId4"/>
+    <p:sldId id="266" r:id="rId5"/>
+    <p:sldId id="262" r:id="rId6"/>
+    <p:sldId id="261" r:id="rId7"/>
+    <p:sldId id="267" r:id="rId8"/>
+    <p:sldId id="268" r:id="rId9"/>
+    <p:sldId id="265" r:id="rId10"/>
+    <p:sldId id="259" r:id="rId11"/>
   </p:sldIdLst>
   <p:sldSz cx="12192000" cy="6858000"/>
   <p:notesSz cx="6858000" cy="9144000"/>
@@ -107,6 +113,22 @@
       </a:defRPr>
     </a:lvl9pPr>
   </p:defaultTextStyle>
+  <p:extLst>
+    <p:ext uri="{EFAFB233-063F-42B5-8137-9DF3F51BA10A}">
+      <p15:sldGuideLst xmlns:p15="http://schemas.microsoft.com/office/powerpoint/2012/main">
+        <p15:guide id="1" orient="horz" pos="2160">
+          <p15:clr>
+            <a:srgbClr val="A4A3A4"/>
+          </p15:clr>
+        </p15:guide>
+        <p15:guide id="2" pos="3840">
+          <p15:clr>
+            <a:srgbClr val="A4A3A4"/>
+          </p15:clr>
+        </p15:guide>
+      </p15:sldGuideLst>
+    </p:ext>
+  </p:extLst>
 </p:presentation>
 </file>
 
@@ -296,7 +318,7 @@
           <a:p>
             <a:fld id="{4AAD347D-5ACD-4C99-B74B-A9C85AD731AF}" type="datetimeFigureOut">
               <a:rPr lang="en-US" dirty="0"/>
-              <a:t>11/14/2016</a:t>
+              <a:t>11/16/16</a:t>
             </a:fld>
             <a:endParaRPr lang="en-US" dirty="0"/>
           </a:p>
@@ -566,7 +588,7 @@
           <a:p>
             <a:fld id="{4509A250-FF31-4206-8172-F9D3106AACB1}" type="datetimeFigureOut">
               <a:rPr lang="en-US" dirty="0"/>
-              <a:t>11/14/2016</a:t>
+              <a:t>11/16/16</a:t>
             </a:fld>
             <a:endParaRPr lang="en-US" dirty="0"/>
           </a:p>
@@ -755,7 +777,7 @@
           <a:p>
             <a:fld id="{4509A250-FF31-4206-8172-F9D3106AACB1}" type="datetimeFigureOut">
               <a:rPr lang="en-US" dirty="0"/>
-              <a:t>11/14/2016</a:t>
+              <a:t>11/16/16</a:t>
             </a:fld>
             <a:endParaRPr lang="en-US" dirty="0"/>
           </a:p>
@@ -1023,7 +1045,7 @@
           <a:p>
             <a:fld id="{4509A250-FF31-4206-8172-F9D3106AACB1}" type="datetimeFigureOut">
               <a:rPr lang="en-US" dirty="0"/>
-              <a:t>11/14/2016</a:t>
+              <a:t>11/16/16</a:t>
             </a:fld>
             <a:endParaRPr lang="en-US" dirty="0"/>
           </a:p>
@@ -1359,7 +1381,7 @@
           <a:p>
             <a:fld id="{4509A250-FF31-4206-8172-F9D3106AACB1}" type="datetimeFigureOut">
               <a:rPr lang="en-US" dirty="0"/>
-              <a:t>11/14/2016</a:t>
+              <a:t>11/16/16</a:t>
             </a:fld>
             <a:endParaRPr lang="en-US" dirty="0"/>
           </a:p>
@@ -1977,7 +1999,7 @@
           <a:p>
             <a:fld id="{4509A250-FF31-4206-8172-F9D3106AACB1}" type="datetimeFigureOut">
               <a:rPr lang="en-US" dirty="0"/>
-              <a:t>11/14/2016</a:t>
+              <a:t>11/16/16</a:t>
             </a:fld>
             <a:endParaRPr lang="en-US" dirty="0"/>
           </a:p>
@@ -2832,7 +2854,7 @@
           <a:p>
             <a:fld id="{4509A250-FF31-4206-8172-F9D3106AACB1}" type="datetimeFigureOut">
               <a:rPr lang="en-US" dirty="0"/>
-              <a:t>11/14/2016</a:t>
+              <a:t>11/16/16</a:t>
             </a:fld>
             <a:endParaRPr lang="en-US" dirty="0"/>
           </a:p>
@@ -2997,7 +3019,7 @@
           <a:p>
             <a:fld id="{4509A250-FF31-4206-8172-F9D3106AACB1}" type="datetimeFigureOut">
               <a:rPr lang="en-US" dirty="0"/>
-              <a:t>11/14/2016</a:t>
+              <a:t>11/16/16</a:t>
             </a:fld>
             <a:endParaRPr lang="en-US" dirty="0"/>
           </a:p>
@@ -3172,7 +3194,7 @@
           <a:p>
             <a:fld id="{4509A250-FF31-4206-8172-F9D3106AACB1}" type="datetimeFigureOut">
               <a:rPr lang="en-US" dirty="0"/>
-              <a:t>11/14/2016</a:t>
+              <a:t>11/16/16</a:t>
             </a:fld>
             <a:endParaRPr lang="en-US" dirty="0"/>
           </a:p>
@@ -3337,7 +3359,7 @@
           <a:p>
             <a:fld id="{4509A250-FF31-4206-8172-F9D3106AACB1}" type="datetimeFigureOut">
               <a:rPr lang="en-US" dirty="0"/>
-              <a:t>11/14/2016</a:t>
+              <a:t>11/16/16</a:t>
             </a:fld>
             <a:endParaRPr lang="en-US" dirty="0"/>
           </a:p>
@@ -3579,7 +3601,7 @@
           <a:p>
             <a:fld id="{9796027F-7875-4030-9381-8BD8C4F21935}" type="datetimeFigureOut">
               <a:rPr lang="en-US" dirty="0"/>
-              <a:t>11/14/2016</a:t>
+              <a:t>11/16/16</a:t>
             </a:fld>
             <a:endParaRPr lang="en-US" dirty="0"/>
           </a:p>
@@ -3866,7 +3888,7 @@
           <a:p>
             <a:fld id="{9796027F-7875-4030-9381-8BD8C4F21935}" type="datetimeFigureOut">
               <a:rPr lang="en-US" dirty="0"/>
-              <a:t>11/14/2016</a:t>
+              <a:t>11/16/16</a:t>
             </a:fld>
             <a:endParaRPr lang="en-US" dirty="0"/>
           </a:p>
@@ -4305,7 +4327,7 @@
           <a:p>
             <a:fld id="{9796027F-7875-4030-9381-8BD8C4F21935}" type="datetimeFigureOut">
               <a:rPr lang="en-US" dirty="0"/>
-              <a:t>11/14/2016</a:t>
+              <a:t>11/16/16</a:t>
             </a:fld>
             <a:endParaRPr lang="en-US" dirty="0"/>
           </a:p>
@@ -4418,7 +4440,7 @@
           <a:p>
             <a:fld id="{4509A250-FF31-4206-8172-F9D3106AACB1}" type="datetimeFigureOut">
               <a:rPr lang="en-US" dirty="0"/>
-              <a:t>11/14/2016</a:t>
+              <a:t>11/16/16</a:t>
             </a:fld>
             <a:endParaRPr lang="en-US" dirty="0"/>
           </a:p>
@@ -4508,7 +4530,7 @@
           <a:p>
             <a:fld id="{4509A250-FF31-4206-8172-F9D3106AACB1}" type="datetimeFigureOut">
               <a:rPr lang="en-US" dirty="0"/>
-              <a:t>11/14/2016</a:t>
+              <a:t>11/16/16</a:t>
             </a:fld>
             <a:endParaRPr lang="en-US" dirty="0"/>
           </a:p>
@@ -4782,7 +4804,7 @@
           <a:p>
             <a:fld id="{4509A250-FF31-4206-8172-F9D3106AACB1}" type="datetimeFigureOut">
               <a:rPr lang="en-US" dirty="0"/>
-              <a:t>11/14/2016</a:t>
+              <a:t>11/16/16</a:t>
             </a:fld>
             <a:endParaRPr lang="en-US" dirty="0"/>
           </a:p>
@@ -5052,7 +5074,7 @@
           <a:p>
             <a:fld id="{4509A250-FF31-4206-8172-F9D3106AACB1}" type="datetimeFigureOut">
               <a:rPr lang="en-US" dirty="0"/>
-              <a:t>11/14/2016</a:t>
+              <a:t>11/16/16</a:t>
             </a:fld>
             <a:endParaRPr lang="en-US" dirty="0"/>
           </a:p>
@@ -5476,7 +5498,7 @@
           <a:p>
             <a:fld id="{4AAD347D-5ACD-4C99-B74B-A9C85AD731AF}" type="datetimeFigureOut">
               <a:rPr lang="en-US" dirty="0"/>
-              <a:t>11/14/2016</a:t>
+              <a:t>11/16/16</a:t>
             </a:fld>
             <a:endParaRPr lang="en-US" dirty="0"/>
           </a:p>
@@ -6017,11 +6039,7 @@
           <a:p>
             <a:r>
               <a:rPr lang="en-GB" dirty="0" smtClean="0"/>
-              <a:t>Presentation </a:t>
-            </a:r>
-            <a:r>
-              <a:rPr lang="en-GB" dirty="0" smtClean="0"/>
-              <a:t>Task 2</a:t>
+              <a:t>Presentation Task 2</a:t>
             </a:r>
             <a:endParaRPr lang="en-GB" dirty="0"/>
           </a:p>
@@ -6044,7 +6062,19 @@
           <a:p>
             <a:r>
               <a:rPr lang="de-DE" dirty="0" smtClean="0"/>
-              <a:t>E-Commerce: Nicole Haberbusch, Markus Wasserbauer, Marc Kaiblinger</a:t>
+              <a:t>E-Commerce: Nicole </a:t>
+            </a:r>
+            <a:r>
+              <a:rPr lang="de-DE" dirty="0" err="1" smtClean="0"/>
+              <a:t>HaberbERGER</a:t>
+            </a:r>
+            <a:r>
+              <a:rPr lang="de-DE" dirty="0" smtClean="0"/>
+              <a:t>, </a:t>
+            </a:r>
+            <a:r>
+              <a:rPr lang="de-DE" dirty="0" smtClean="0"/>
+              <a:t>Markus Wasserbauer, Marc Kaiblinger</a:t>
             </a:r>
             <a:endParaRPr lang="de-DE" dirty="0"/>
           </a:p>
@@ -6054,6 +6084,89 @@
     <p:extLst>
       <p:ext uri="{BB962C8B-B14F-4D97-AF65-F5344CB8AC3E}">
         <p14:creationId xmlns:p14="http://schemas.microsoft.com/office/powerpoint/2010/main" val="472222635"/>
+      </p:ext>
+    </p:extLst>
+  </p:cSld>
+  <p:clrMapOvr>
+    <a:masterClrMapping/>
+  </p:clrMapOvr>
+  <p:timing>
+    <p:tnLst>
+      <p:par>
+        <p:cTn id="1" dur="indefinite" restart="never" nodeType="tmRoot"/>
+      </p:par>
+    </p:tnLst>
+  </p:timing>
+</p:sld>
+</file>
+
+<file path=ppt/slides/slide10.xml><?xml version="1.0" encoding="utf-8"?>
+<p:sld xmlns:a="http://schemas.openxmlformats.org/drawingml/2006/main" xmlns:r="http://schemas.openxmlformats.org/officeDocument/2006/relationships" xmlns:p="http://schemas.openxmlformats.org/presentationml/2006/main">
+  <p:cSld>
+    <p:spTree>
+      <p:nvGrpSpPr>
+        <p:cNvPr id="1" name=""/>
+        <p:cNvGrpSpPr/>
+        <p:nvPr/>
+      </p:nvGrpSpPr>
+      <p:grpSpPr>
+        <a:xfrm>
+          <a:off x="0" y="0"/>
+          <a:ext cx="0" cy="0"/>
+          <a:chOff x="0" y="0"/>
+          <a:chExt cx="0" cy="0"/>
+        </a:xfrm>
+      </p:grpSpPr>
+      <p:sp>
+        <p:nvSpPr>
+          <p:cNvPr id="2" name="Titel 1"/>
+          <p:cNvSpPr>
+            <a:spLocks noGrp="1"/>
+          </p:cNvSpPr>
+          <p:nvPr>
+            <p:ph type="title"/>
+          </p:nvPr>
+        </p:nvSpPr>
+        <p:spPr/>
+        <p:txBody>
+          <a:bodyPr/>
+          <a:lstStyle/>
+          <a:p>
+            <a:r>
+              <a:rPr lang="de-DE" dirty="0" smtClean="0"/>
+              <a:t>References:</a:t>
+            </a:r>
+            <a:endParaRPr lang="de-DE" dirty="0"/>
+          </a:p>
+        </p:txBody>
+      </p:sp>
+      <p:sp>
+        <p:nvSpPr>
+          <p:cNvPr id="3" name="Inhaltsplatzhalter 2"/>
+          <p:cNvSpPr>
+            <a:spLocks noGrp="1"/>
+          </p:cNvSpPr>
+          <p:nvPr>
+            <p:ph idx="1"/>
+          </p:nvPr>
+        </p:nvSpPr>
+        <p:spPr/>
+        <p:txBody>
+          <a:bodyPr/>
+          <a:lstStyle/>
+          <a:p>
+            <a:r>
+              <a:rPr lang="en-US" dirty="0"/>
+              <a:t>https://jmeter.apache.org/</a:t>
+            </a:r>
+            <a:endParaRPr lang="de-DE" dirty="0"/>
+          </a:p>
+        </p:txBody>
+      </p:sp>
+    </p:spTree>
+    <p:extLst>
+      <p:ext uri="{BB962C8B-B14F-4D97-AF65-F5344CB8AC3E}">
+        <p14:creationId xmlns:p14="http://schemas.microsoft.com/office/powerpoint/2010/main" val="228699778"/>
       </p:ext>
     </p:extLst>
   </p:cSld>
@@ -6097,13 +6210,1343 @@
             <p:ph type="title"/>
           </p:nvPr>
         </p:nvSpPr>
-        <p:spPr/>
+        <p:spPr>
+          <a:xfrm>
+            <a:off x="590448" y="147917"/>
+            <a:ext cx="9404723" cy="1400530"/>
+          </a:xfrm>
+        </p:spPr>
         <p:txBody>
           <a:bodyPr/>
           <a:lstStyle/>
           <a:p>
             <a:r>
               <a:rPr lang="de-AT" dirty="0" err="1" smtClean="0"/>
+              <a:t>Retry</a:t>
+            </a:r>
+            <a:r>
+              <a:rPr lang="de-AT" dirty="0" smtClean="0"/>
+              <a:t>	 + </a:t>
+            </a:r>
+            <a:r>
+              <a:rPr lang="de-AT" dirty="0" err="1" smtClean="0"/>
+              <a:t>Safepoint</a:t>
+            </a:r>
+            <a:r>
+              <a:rPr lang="de-AT" dirty="0" smtClean="0"/>
+              <a:t>: Environment</a:t>
+            </a:r>
+            <a:endParaRPr lang="de-AT" dirty="0"/>
+          </a:p>
+        </p:txBody>
+      </p:sp>
+      <p:pic>
+        <p:nvPicPr>
+          <p:cNvPr id="6" name="Inhaltsplatzhalter 5"/>
+          <p:cNvPicPr>
+            <a:picLocks noGrp="1" noChangeAspect="1"/>
+          </p:cNvPicPr>
+          <p:nvPr>
+            <p:ph idx="1"/>
+          </p:nvPr>
+        </p:nvPicPr>
+        <p:blipFill rotWithShape="1">
+          <a:blip r:embed="rId2">
+            <a:extLst>
+              <a:ext uri="{28A0092B-C50C-407E-A947-70E740481C1C}">
+                <a14:useLocalDpi xmlns:a14="http://schemas.microsoft.com/office/drawing/2010/main" val="0"/>
+              </a:ext>
+            </a:extLst>
+          </a:blip>
+          <a:srcRect r="38108"/>
+          <a:stretch/>
+        </p:blipFill>
+        <p:spPr>
+          <a:xfrm>
+            <a:off x="992236" y="1147622"/>
+            <a:ext cx="4758024" cy="5390275"/>
+          </a:xfrm>
+        </p:spPr>
+      </p:pic>
+      <p:sp>
+        <p:nvSpPr>
+          <p:cNvPr id="7" name="Textfeld 6"/>
+          <p:cNvSpPr txBox="1"/>
+          <p:nvPr/>
+        </p:nvSpPr>
+        <p:spPr>
+          <a:xfrm>
+            <a:off x="6359229" y="1815990"/>
+            <a:ext cx="4979248" cy="3693319"/>
+          </a:xfrm>
+          <a:prstGeom prst="rect">
+            <a:avLst/>
+          </a:prstGeom>
+          <a:noFill/>
+        </p:spPr>
+        <p:txBody>
+          <a:bodyPr wrap="none" rtlCol="0">
+            <a:spAutoFit/>
+          </a:bodyPr>
+          <a:lstStyle/>
+          <a:p>
+            <a:r>
+              <a:rPr lang="de-DE" dirty="0" smtClean="0"/>
+              <a:t>Simulation Environment:</a:t>
+            </a:r>
+          </a:p>
+          <a:p>
+            <a:endParaRPr lang="de-DE" dirty="0"/>
+          </a:p>
+          <a:p>
+            <a:pPr marL="285750" indent="-285750">
+              <a:buFont typeface="Arial" charset="0"/>
+              <a:buChar char="•"/>
+            </a:pPr>
+            <a:r>
+              <a:rPr lang="de-DE" dirty="0" smtClean="0"/>
+              <a:t>http </a:t>
+            </a:r>
+            <a:r>
+              <a:rPr lang="de-DE" dirty="0" smtClean="0"/>
+              <a:t>Request</a:t>
+            </a:r>
+            <a:endParaRPr lang="de-DE" dirty="0" smtClean="0"/>
+          </a:p>
+          <a:p>
+            <a:pPr marL="285750" indent="-285750">
+              <a:buFont typeface="Arial" charset="0"/>
+              <a:buChar char="•"/>
+            </a:pPr>
+            <a:endParaRPr lang="de-DE" dirty="0"/>
+          </a:p>
+          <a:p>
+            <a:pPr marL="285750" indent="-285750">
+              <a:buFont typeface="Arial" charset="0"/>
+              <a:buChar char="•"/>
+            </a:pPr>
+            <a:r>
+              <a:rPr lang="de-DE" dirty="0" err="1" smtClean="0"/>
+              <a:t>Workload</a:t>
+            </a:r>
+            <a:r>
+              <a:rPr lang="de-DE" dirty="0" smtClean="0"/>
+              <a:t> </a:t>
+            </a:r>
+            <a:r>
+              <a:rPr lang="de-DE" dirty="0" err="1" smtClean="0"/>
+              <a:t>generator</a:t>
+            </a:r>
+            <a:endParaRPr lang="de-DE" dirty="0" smtClean="0"/>
+          </a:p>
+          <a:p>
+            <a:pPr marL="285750" indent="-285750">
+              <a:buFont typeface="Arial" charset="0"/>
+              <a:buChar char="•"/>
+            </a:pPr>
+            <a:endParaRPr lang="de-DE" dirty="0"/>
+          </a:p>
+          <a:p>
+            <a:pPr marL="285750" indent="-285750">
+              <a:buFont typeface="Arial" charset="0"/>
+              <a:buChar char="•"/>
+            </a:pPr>
+            <a:r>
+              <a:rPr lang="de-DE" dirty="0" smtClean="0"/>
+              <a:t>Controller </a:t>
+            </a:r>
+            <a:r>
+              <a:rPr lang="de-DE" dirty="0" err="1" smtClean="0"/>
+              <a:t>to</a:t>
+            </a:r>
+            <a:r>
+              <a:rPr lang="de-DE" dirty="0" smtClean="0"/>
+              <a:t> </a:t>
+            </a:r>
+            <a:r>
+              <a:rPr lang="de-DE" dirty="0" err="1" smtClean="0"/>
+              <a:t>choose</a:t>
+            </a:r>
+            <a:r>
+              <a:rPr lang="de-DE" dirty="0" smtClean="0"/>
+              <a:t> </a:t>
+            </a:r>
+            <a:r>
+              <a:rPr lang="de-DE" dirty="0" err="1" smtClean="0"/>
+              <a:t>best</a:t>
+            </a:r>
+            <a:r>
+              <a:rPr lang="de-DE" dirty="0" smtClean="0"/>
+              <a:t> Edge</a:t>
+            </a:r>
+          </a:p>
+          <a:p>
+            <a:pPr marL="285750" indent="-285750">
+              <a:buFont typeface="Arial" charset="0"/>
+              <a:buChar char="•"/>
+            </a:pPr>
+            <a:endParaRPr lang="de-DE" dirty="0"/>
+          </a:p>
+          <a:p>
+            <a:pPr marL="285750" indent="-285750">
+              <a:buFont typeface="Arial" charset="0"/>
+              <a:buChar char="•"/>
+            </a:pPr>
+            <a:r>
+              <a:rPr lang="de-DE" dirty="0" smtClean="0"/>
+              <a:t>Edge </a:t>
+            </a:r>
+            <a:r>
+              <a:rPr lang="de-DE" dirty="0" err="1" smtClean="0"/>
+              <a:t>to</a:t>
+            </a:r>
+            <a:r>
+              <a:rPr lang="de-DE" dirty="0" smtClean="0"/>
+              <a:t> </a:t>
+            </a:r>
+            <a:r>
+              <a:rPr lang="de-DE" dirty="0" err="1" smtClean="0"/>
+              <a:t>distribute</a:t>
+            </a:r>
+            <a:r>
+              <a:rPr lang="de-DE" dirty="0" smtClean="0"/>
+              <a:t> Load on PMs </a:t>
+            </a:r>
+            <a:r>
+              <a:rPr lang="de-DE" dirty="0" err="1" smtClean="0"/>
+              <a:t>and</a:t>
+            </a:r>
+            <a:r>
+              <a:rPr lang="de-DE" dirty="0" smtClean="0"/>
+              <a:t> VMs</a:t>
+            </a:r>
+          </a:p>
+          <a:p>
+            <a:pPr marL="285750" indent="-285750">
+              <a:buFont typeface="Arial" charset="0"/>
+              <a:buChar char="•"/>
+            </a:pPr>
+            <a:endParaRPr lang="de-DE" dirty="0"/>
+          </a:p>
+          <a:p>
+            <a:pPr marL="285750" indent="-285750">
+              <a:buFont typeface="Arial" charset="0"/>
+              <a:buChar char="•"/>
+            </a:pPr>
+            <a:r>
+              <a:rPr lang="de-DE" dirty="0" err="1" smtClean="0"/>
+              <a:t>Physical</a:t>
+            </a:r>
+            <a:r>
+              <a:rPr lang="de-DE" dirty="0" smtClean="0"/>
+              <a:t> </a:t>
+            </a:r>
+            <a:r>
+              <a:rPr lang="de-DE" dirty="0" smtClean="0"/>
+              <a:t>Machines</a:t>
+            </a:r>
+            <a:r>
+              <a:rPr lang="de-DE" dirty="0" smtClean="0"/>
+              <a:t>: </a:t>
+            </a:r>
+            <a:r>
+              <a:rPr lang="de-DE" dirty="0" err="1" smtClean="0"/>
+              <a:t>contain</a:t>
+            </a:r>
+            <a:r>
+              <a:rPr lang="de-DE" dirty="0" smtClean="0"/>
+              <a:t> </a:t>
+            </a:r>
+            <a:r>
+              <a:rPr lang="de-DE" dirty="0" smtClean="0"/>
+              <a:t>VMs</a:t>
+            </a:r>
+          </a:p>
+          <a:p>
+            <a:pPr marL="285750" indent="-285750">
+              <a:buFont typeface="Arial" charset="0"/>
+              <a:buChar char="•"/>
+            </a:pPr>
+            <a:endParaRPr lang="de-DE" dirty="0"/>
+          </a:p>
+          <a:p>
+            <a:pPr marL="285750" indent="-285750">
+              <a:buFont typeface="Arial" charset="0"/>
+              <a:buChar char="•"/>
+            </a:pPr>
+            <a:r>
+              <a:rPr lang="de-DE" dirty="0" smtClean="0"/>
+              <a:t>Virtual </a:t>
+            </a:r>
+            <a:r>
+              <a:rPr lang="de-DE" dirty="0" smtClean="0"/>
+              <a:t>Machines</a:t>
+            </a:r>
+            <a:r>
+              <a:rPr lang="de-DE" dirty="0" smtClean="0"/>
+              <a:t>: </a:t>
+            </a:r>
+            <a:r>
+              <a:rPr lang="de-DE" dirty="0" err="1" smtClean="0"/>
+              <a:t>performing</a:t>
+            </a:r>
+            <a:r>
+              <a:rPr lang="de-DE" dirty="0" smtClean="0"/>
+              <a:t> </a:t>
+            </a:r>
+            <a:r>
+              <a:rPr lang="de-DE" dirty="0" err="1" smtClean="0"/>
+              <a:t>task</a:t>
+            </a:r>
+            <a:endParaRPr lang="de-DE" dirty="0"/>
+          </a:p>
+        </p:txBody>
+      </p:sp>
+    </p:spTree>
+    <p:extLst>
+      <p:ext uri="{BB962C8B-B14F-4D97-AF65-F5344CB8AC3E}">
+        <p14:creationId xmlns:p14="http://schemas.microsoft.com/office/powerpoint/2010/main" val="1646559428"/>
+      </p:ext>
+    </p:extLst>
+  </p:cSld>
+  <p:clrMapOvr>
+    <a:masterClrMapping/>
+  </p:clrMapOvr>
+</p:sld>
+</file>
+
+<file path=ppt/slides/slide3.xml><?xml version="1.0" encoding="utf-8"?>
+<p:sld xmlns:a="http://schemas.openxmlformats.org/drawingml/2006/main" xmlns:r="http://schemas.openxmlformats.org/officeDocument/2006/relationships" xmlns:p="http://schemas.openxmlformats.org/presentationml/2006/main">
+  <p:cSld>
+    <p:spTree>
+      <p:nvGrpSpPr>
+        <p:cNvPr id="1" name=""/>
+        <p:cNvGrpSpPr/>
+        <p:nvPr/>
+      </p:nvGrpSpPr>
+      <p:grpSpPr>
+        <a:xfrm>
+          <a:off x="0" y="0"/>
+          <a:ext cx="0" cy="0"/>
+          <a:chOff x="0" y="0"/>
+          <a:chExt cx="0" cy="0"/>
+        </a:xfrm>
+      </p:grpSpPr>
+      <p:sp>
+        <p:nvSpPr>
+          <p:cNvPr id="2" name="Titel 1"/>
+          <p:cNvSpPr>
+            <a:spLocks noGrp="1"/>
+          </p:cNvSpPr>
+          <p:nvPr>
+            <p:ph type="title"/>
+          </p:nvPr>
+        </p:nvSpPr>
+        <p:spPr>
+          <a:xfrm>
+            <a:off x="590448" y="147917"/>
+            <a:ext cx="9404723" cy="1400530"/>
+          </a:xfrm>
+        </p:spPr>
+        <p:txBody>
+          <a:bodyPr/>
+          <a:lstStyle/>
+          <a:p>
+            <a:r>
+              <a:rPr lang="de-AT" dirty="0" err="1" smtClean="0"/>
+              <a:t>Retry</a:t>
+            </a:r>
+            <a:r>
+              <a:rPr lang="de-AT" dirty="0" smtClean="0"/>
+              <a:t>	 + </a:t>
+            </a:r>
+            <a:r>
+              <a:rPr lang="de-AT" dirty="0" err="1" smtClean="0"/>
+              <a:t>Safepoint</a:t>
+            </a:r>
+            <a:r>
+              <a:rPr lang="de-AT" dirty="0" smtClean="0"/>
+              <a:t>: </a:t>
+            </a:r>
+            <a:r>
+              <a:rPr lang="de-AT" dirty="0" err="1" smtClean="0"/>
+              <a:t>Functionality</a:t>
+            </a:r>
+            <a:endParaRPr lang="de-AT" dirty="0"/>
+          </a:p>
+        </p:txBody>
+      </p:sp>
+      <p:pic>
+        <p:nvPicPr>
+          <p:cNvPr id="6" name="Inhaltsplatzhalter 5"/>
+          <p:cNvPicPr>
+            <a:picLocks noGrp="1" noChangeAspect="1"/>
+          </p:cNvPicPr>
+          <p:nvPr>
+            <p:ph idx="1"/>
+          </p:nvPr>
+        </p:nvPicPr>
+        <p:blipFill rotWithShape="1">
+          <a:blip r:embed="rId2">
+            <a:extLst>
+              <a:ext uri="{28A0092B-C50C-407E-A947-70E740481C1C}">
+                <a14:useLocalDpi xmlns:a14="http://schemas.microsoft.com/office/drawing/2010/main" val="0"/>
+              </a:ext>
+            </a:extLst>
+          </a:blip>
+          <a:srcRect r="38108"/>
+          <a:stretch/>
+        </p:blipFill>
+        <p:spPr>
+          <a:xfrm>
+            <a:off x="576588" y="1144040"/>
+            <a:ext cx="4758024" cy="5390275"/>
+          </a:xfrm>
+        </p:spPr>
+      </p:pic>
+      <p:sp>
+        <p:nvSpPr>
+          <p:cNvPr id="8" name="Textfeld 7"/>
+          <p:cNvSpPr txBox="1"/>
+          <p:nvPr/>
+        </p:nvSpPr>
+        <p:spPr>
+          <a:xfrm>
+            <a:off x="5565430" y="1300022"/>
+            <a:ext cx="6224781" cy="5078313"/>
+          </a:xfrm>
+          <a:prstGeom prst="rect">
+            <a:avLst/>
+          </a:prstGeom>
+          <a:noFill/>
+        </p:spPr>
+        <p:txBody>
+          <a:bodyPr wrap="none" rtlCol="0">
+            <a:spAutoFit/>
+          </a:bodyPr>
+          <a:lstStyle/>
+          <a:p>
+            <a:r>
+              <a:rPr lang="de-DE" dirty="0" smtClean="0"/>
+              <a:t>Client </a:t>
+            </a:r>
+            <a:r>
+              <a:rPr lang="de-DE" dirty="0" err="1" smtClean="0"/>
+              <a:t>sends</a:t>
+            </a:r>
+            <a:r>
+              <a:rPr lang="de-DE" dirty="0" smtClean="0"/>
+              <a:t> </a:t>
+            </a:r>
+            <a:r>
+              <a:rPr lang="de-DE" dirty="0" err="1" smtClean="0"/>
+              <a:t>request</a:t>
+            </a:r>
+            <a:r>
+              <a:rPr lang="de-DE" dirty="0" smtClean="0"/>
+              <a:t/>
+            </a:r>
+            <a:br>
+              <a:rPr lang="de-DE" dirty="0" smtClean="0"/>
+            </a:br>
+            <a:endParaRPr lang="de-DE" dirty="0" smtClean="0"/>
+          </a:p>
+          <a:p>
+            <a:r>
+              <a:rPr lang="de-DE" dirty="0" err="1" smtClean="0"/>
+              <a:t>Appache</a:t>
+            </a:r>
+            <a:r>
+              <a:rPr lang="de-DE" dirty="0" smtClean="0"/>
+              <a:t> </a:t>
+            </a:r>
+            <a:r>
+              <a:rPr lang="de-DE" dirty="0" err="1" smtClean="0"/>
+              <a:t>jMeter</a:t>
+            </a:r>
+            <a:r>
+              <a:rPr lang="de-DE" dirty="0" smtClean="0"/>
+              <a:t> </a:t>
+            </a:r>
+            <a:r>
+              <a:rPr lang="de-DE" dirty="0" err="1" smtClean="0"/>
+              <a:t>generates</a:t>
+            </a:r>
+            <a:r>
+              <a:rPr lang="de-DE" dirty="0" smtClean="0"/>
+              <a:t> </a:t>
+            </a:r>
+            <a:r>
+              <a:rPr lang="de-DE" dirty="0" err="1" smtClean="0"/>
+              <a:t>workload</a:t>
+            </a:r>
+            <a:r>
+              <a:rPr lang="de-DE" dirty="0" smtClean="0"/>
+              <a:t/>
+            </a:r>
+            <a:br>
+              <a:rPr lang="de-DE" dirty="0" smtClean="0"/>
+            </a:br>
+            <a:endParaRPr lang="de-DE" dirty="0" smtClean="0"/>
+          </a:p>
+          <a:p>
+            <a:r>
+              <a:rPr lang="de-DE" dirty="0" err="1" smtClean="0"/>
+              <a:t>Controler</a:t>
+            </a:r>
+            <a:r>
+              <a:rPr lang="de-DE" dirty="0" smtClean="0"/>
+              <a:t> </a:t>
+            </a:r>
+            <a:r>
+              <a:rPr lang="de-DE" dirty="0" err="1" smtClean="0"/>
+              <a:t>decides</a:t>
+            </a:r>
+            <a:r>
+              <a:rPr lang="de-DE" dirty="0" smtClean="0"/>
+              <a:t> </a:t>
+            </a:r>
+            <a:r>
+              <a:rPr lang="de-DE" dirty="0" err="1" smtClean="0"/>
+              <a:t>between</a:t>
+            </a:r>
+            <a:r>
+              <a:rPr lang="de-DE" dirty="0" smtClean="0"/>
+              <a:t> </a:t>
+            </a:r>
+            <a:r>
+              <a:rPr lang="de-DE" dirty="0" err="1" smtClean="0"/>
+              <a:t>edges</a:t>
+            </a:r>
+            <a:r>
+              <a:rPr lang="de-DE" dirty="0" smtClean="0"/>
+              <a:t> </a:t>
+            </a:r>
+            <a:r>
+              <a:rPr lang="de-DE" dirty="0" err="1" smtClean="0"/>
+              <a:t>and</a:t>
+            </a:r>
+            <a:r>
+              <a:rPr lang="de-DE" dirty="0" smtClean="0"/>
+              <a:t> </a:t>
+            </a:r>
+            <a:r>
+              <a:rPr lang="de-DE" dirty="0" err="1" smtClean="0"/>
+              <a:t>hands</a:t>
+            </a:r>
+            <a:r>
+              <a:rPr lang="de-DE" dirty="0" smtClean="0"/>
+              <a:t> </a:t>
+            </a:r>
+            <a:r>
+              <a:rPr lang="de-DE" dirty="0" err="1" smtClean="0"/>
+              <a:t>request</a:t>
+            </a:r>
+            <a:endParaRPr lang="de-DE" dirty="0"/>
+          </a:p>
+          <a:p>
+            <a:r>
+              <a:rPr lang="de-DE" dirty="0" err="1" smtClean="0"/>
+              <a:t>to</a:t>
+            </a:r>
+            <a:r>
+              <a:rPr lang="de-DE" dirty="0" smtClean="0"/>
+              <a:t> </a:t>
+            </a:r>
+            <a:r>
+              <a:rPr lang="de-DE" dirty="0" err="1" smtClean="0"/>
+              <a:t>edge</a:t>
+            </a:r>
+            <a:endParaRPr lang="de-DE" dirty="0" smtClean="0"/>
+          </a:p>
+          <a:p>
+            <a:endParaRPr lang="de-DE" dirty="0"/>
+          </a:p>
+          <a:p>
+            <a:r>
+              <a:rPr lang="de-DE" dirty="0" smtClean="0"/>
+              <a:t>Edge </a:t>
+            </a:r>
+            <a:r>
+              <a:rPr lang="de-DE" dirty="0" err="1" smtClean="0"/>
+              <a:t>distributes</a:t>
+            </a:r>
+            <a:r>
+              <a:rPr lang="de-DE" dirty="0" smtClean="0"/>
+              <a:t> </a:t>
+            </a:r>
+            <a:r>
+              <a:rPr lang="de-DE" dirty="0" err="1"/>
+              <a:t>w</a:t>
+            </a:r>
+            <a:r>
+              <a:rPr lang="de-DE" dirty="0" err="1" smtClean="0"/>
+              <a:t>orkload</a:t>
+            </a:r>
+            <a:r>
+              <a:rPr lang="de-DE" dirty="0" smtClean="0"/>
+              <a:t> </a:t>
+            </a:r>
+            <a:r>
+              <a:rPr lang="de-DE" dirty="0" err="1" smtClean="0"/>
+              <a:t>to</a:t>
+            </a:r>
+            <a:r>
+              <a:rPr lang="de-DE" dirty="0" smtClean="0"/>
+              <a:t> PMs</a:t>
+            </a:r>
+          </a:p>
+          <a:p>
+            <a:endParaRPr lang="de-DE" dirty="0"/>
+          </a:p>
+          <a:p>
+            <a:r>
+              <a:rPr lang="de-DE" dirty="0" smtClean="0"/>
+              <a:t>PMs </a:t>
+            </a:r>
+            <a:r>
+              <a:rPr lang="de-DE" dirty="0" err="1" smtClean="0"/>
+              <a:t>distribute</a:t>
+            </a:r>
+            <a:r>
+              <a:rPr lang="de-DE" dirty="0" smtClean="0"/>
+              <a:t> </a:t>
+            </a:r>
+            <a:r>
+              <a:rPr lang="de-DE" dirty="0" err="1" smtClean="0"/>
+              <a:t>workload</a:t>
+            </a:r>
+            <a:r>
+              <a:rPr lang="de-DE" dirty="0" smtClean="0"/>
+              <a:t> </a:t>
+            </a:r>
+            <a:r>
+              <a:rPr lang="de-DE" dirty="0" err="1" smtClean="0"/>
+              <a:t>to</a:t>
+            </a:r>
+            <a:r>
+              <a:rPr lang="de-DE" dirty="0" smtClean="0"/>
+              <a:t> VMs</a:t>
+            </a:r>
+          </a:p>
+          <a:p>
+            <a:endParaRPr lang="de-DE" dirty="0"/>
+          </a:p>
+          <a:p>
+            <a:r>
+              <a:rPr lang="de-DE" dirty="0" smtClean="0"/>
+              <a:t>VMs </a:t>
+            </a:r>
+            <a:r>
+              <a:rPr lang="de-DE" dirty="0" err="1" smtClean="0"/>
+              <a:t>perform</a:t>
+            </a:r>
+            <a:r>
+              <a:rPr lang="de-DE" dirty="0" smtClean="0"/>
+              <a:t> </a:t>
+            </a:r>
+            <a:r>
+              <a:rPr lang="de-DE" dirty="0" err="1" smtClean="0"/>
+              <a:t>task</a:t>
+            </a:r>
+            <a:r>
+              <a:rPr lang="de-DE" dirty="0" smtClean="0"/>
+              <a:t> </a:t>
+            </a:r>
+            <a:r>
+              <a:rPr lang="de-DE" dirty="0" err="1" smtClean="0"/>
+              <a:t>and</a:t>
+            </a:r>
+            <a:r>
+              <a:rPr lang="de-DE" dirty="0" smtClean="0"/>
+              <a:t> </a:t>
+            </a:r>
+            <a:r>
+              <a:rPr lang="de-DE" dirty="0" err="1" smtClean="0"/>
+              <a:t>hands</a:t>
+            </a:r>
+            <a:r>
+              <a:rPr lang="de-DE" dirty="0" smtClean="0"/>
+              <a:t> </a:t>
+            </a:r>
+            <a:r>
+              <a:rPr lang="de-DE" dirty="0" err="1" smtClean="0"/>
+              <a:t>response</a:t>
+            </a:r>
+            <a:r>
+              <a:rPr lang="de-DE" dirty="0" smtClean="0"/>
+              <a:t> </a:t>
+            </a:r>
+            <a:r>
+              <a:rPr lang="de-DE" dirty="0" err="1" smtClean="0"/>
+              <a:t>to</a:t>
+            </a:r>
+            <a:r>
+              <a:rPr lang="de-DE" dirty="0" smtClean="0"/>
+              <a:t> PMs</a:t>
+            </a:r>
+          </a:p>
+          <a:p>
+            <a:endParaRPr lang="de-DE" dirty="0"/>
+          </a:p>
+          <a:p>
+            <a:r>
+              <a:rPr lang="de-DE" dirty="0" smtClean="0"/>
+              <a:t>PMs </a:t>
+            </a:r>
+            <a:r>
+              <a:rPr lang="de-DE" dirty="0" err="1" smtClean="0"/>
+              <a:t>concatinate</a:t>
+            </a:r>
+            <a:r>
+              <a:rPr lang="de-DE" dirty="0" smtClean="0"/>
+              <a:t> </a:t>
+            </a:r>
+            <a:r>
+              <a:rPr lang="de-DE" dirty="0" smtClean="0"/>
+              <a:t>VM </a:t>
+            </a:r>
+            <a:r>
+              <a:rPr lang="de-DE" dirty="0" err="1" smtClean="0"/>
+              <a:t>responses</a:t>
+            </a:r>
+            <a:r>
+              <a:rPr lang="de-DE" dirty="0" smtClean="0"/>
+              <a:t> </a:t>
+            </a:r>
+            <a:r>
+              <a:rPr lang="de-DE" dirty="0" err="1" smtClean="0"/>
+              <a:t>and</a:t>
+            </a:r>
+            <a:r>
+              <a:rPr lang="de-DE" dirty="0" smtClean="0"/>
+              <a:t> </a:t>
+            </a:r>
+            <a:r>
+              <a:rPr lang="de-DE" dirty="0" err="1" smtClean="0"/>
+              <a:t>hand</a:t>
+            </a:r>
+            <a:r>
+              <a:rPr lang="de-DE" dirty="0" smtClean="0"/>
+              <a:t> </a:t>
+            </a:r>
+            <a:r>
+              <a:rPr lang="de-DE" dirty="0" err="1" smtClean="0"/>
+              <a:t>them</a:t>
+            </a:r>
+            <a:r>
+              <a:rPr lang="de-DE" dirty="0" smtClean="0"/>
+              <a:t> </a:t>
+            </a:r>
+            <a:r>
+              <a:rPr lang="de-DE" dirty="0" smtClean="0"/>
+              <a:t>back </a:t>
+            </a:r>
+            <a:endParaRPr lang="de-DE" dirty="0" smtClean="0"/>
+          </a:p>
+          <a:p>
+            <a:r>
+              <a:rPr lang="de-DE" dirty="0" err="1" smtClean="0"/>
+              <a:t>To</a:t>
+            </a:r>
+            <a:r>
+              <a:rPr lang="de-DE" dirty="0" smtClean="0"/>
+              <a:t> </a:t>
+            </a:r>
+            <a:r>
+              <a:rPr lang="de-DE" dirty="0" smtClean="0"/>
+              <a:t>Edge</a:t>
+            </a:r>
+            <a:endParaRPr lang="de-DE" dirty="0" smtClean="0"/>
+          </a:p>
+          <a:p>
+            <a:endParaRPr lang="de-DE" dirty="0"/>
+          </a:p>
+          <a:p>
+            <a:r>
+              <a:rPr lang="de-DE" dirty="0" smtClean="0"/>
+              <a:t>Controller </a:t>
+            </a:r>
+            <a:r>
+              <a:rPr lang="de-DE" dirty="0" err="1" smtClean="0"/>
+              <a:t>generates</a:t>
+            </a:r>
+            <a:r>
+              <a:rPr lang="de-DE" dirty="0" smtClean="0"/>
+              <a:t> </a:t>
+            </a:r>
+            <a:r>
+              <a:rPr lang="de-DE" dirty="0" err="1" smtClean="0"/>
+              <a:t>response</a:t>
+            </a:r>
+            <a:r>
+              <a:rPr lang="de-DE" dirty="0" smtClean="0"/>
+              <a:t> </a:t>
+            </a:r>
+            <a:r>
+              <a:rPr lang="de-DE" dirty="0" err="1" smtClean="0"/>
+              <a:t>and</a:t>
+            </a:r>
+            <a:r>
+              <a:rPr lang="de-DE" dirty="0" smtClean="0"/>
+              <a:t> </a:t>
+            </a:r>
+            <a:r>
+              <a:rPr lang="de-DE" dirty="0" err="1" smtClean="0"/>
+              <a:t>webserver</a:t>
+            </a:r>
+            <a:r>
+              <a:rPr lang="de-DE" dirty="0" smtClean="0"/>
+              <a:t> </a:t>
+            </a:r>
+            <a:r>
+              <a:rPr lang="de-DE" dirty="0" err="1" smtClean="0"/>
+              <a:t>sends</a:t>
+            </a:r>
+            <a:r>
+              <a:rPr lang="de-DE" dirty="0" smtClean="0"/>
+              <a:t> </a:t>
+            </a:r>
+          </a:p>
+          <a:p>
+            <a:r>
+              <a:rPr lang="de-DE" dirty="0" err="1"/>
+              <a:t>t</a:t>
+            </a:r>
+            <a:r>
+              <a:rPr lang="de-DE" dirty="0" err="1" smtClean="0"/>
+              <a:t>he</a:t>
+            </a:r>
+            <a:r>
+              <a:rPr lang="de-DE" dirty="0" smtClean="0"/>
+              <a:t> </a:t>
+            </a:r>
+            <a:r>
+              <a:rPr lang="de-DE" dirty="0" err="1" smtClean="0"/>
+              <a:t>response</a:t>
+            </a:r>
+            <a:r>
+              <a:rPr lang="de-DE" dirty="0" smtClean="0"/>
+              <a:t> back </a:t>
+            </a:r>
+            <a:r>
+              <a:rPr lang="de-DE" dirty="0" err="1" smtClean="0"/>
+              <a:t>to</a:t>
+            </a:r>
+            <a:r>
+              <a:rPr lang="de-DE" dirty="0" smtClean="0"/>
+              <a:t> </a:t>
+            </a:r>
+            <a:r>
+              <a:rPr lang="de-DE" dirty="0" err="1" smtClean="0"/>
+              <a:t>the</a:t>
+            </a:r>
+            <a:r>
+              <a:rPr lang="de-DE" dirty="0" smtClean="0"/>
+              <a:t> </a:t>
+            </a:r>
+            <a:r>
+              <a:rPr lang="de-DE" dirty="0" err="1" smtClean="0"/>
+              <a:t>client</a:t>
+            </a:r>
+            <a:endParaRPr lang="de-DE" dirty="0"/>
+          </a:p>
+        </p:txBody>
+      </p:sp>
+    </p:spTree>
+    <p:extLst>
+      <p:ext uri="{BB962C8B-B14F-4D97-AF65-F5344CB8AC3E}">
+        <p14:creationId xmlns:p14="http://schemas.microsoft.com/office/powerpoint/2010/main" val="660041965"/>
+      </p:ext>
+    </p:extLst>
+  </p:cSld>
+  <p:clrMapOvr>
+    <a:masterClrMapping/>
+  </p:clrMapOvr>
+</p:sld>
+</file>
+
+<file path=ppt/slides/slide4.xml><?xml version="1.0" encoding="utf-8"?>
+<p:sld xmlns:a="http://schemas.openxmlformats.org/drawingml/2006/main" xmlns:r="http://schemas.openxmlformats.org/officeDocument/2006/relationships" xmlns:p="http://schemas.openxmlformats.org/presentationml/2006/main">
+  <p:cSld>
+    <p:spTree>
+      <p:nvGrpSpPr>
+        <p:cNvPr id="1" name=""/>
+        <p:cNvGrpSpPr/>
+        <p:nvPr/>
+      </p:nvGrpSpPr>
+      <p:grpSpPr>
+        <a:xfrm>
+          <a:off x="0" y="0"/>
+          <a:ext cx="0" cy="0"/>
+          <a:chOff x="0" y="0"/>
+          <a:chExt cx="0" cy="0"/>
+        </a:xfrm>
+      </p:grpSpPr>
+      <p:sp>
+        <p:nvSpPr>
+          <p:cNvPr id="2" name="Titel 1"/>
+          <p:cNvSpPr>
+            <a:spLocks noGrp="1"/>
+          </p:cNvSpPr>
+          <p:nvPr>
+            <p:ph type="title"/>
+          </p:nvPr>
+        </p:nvSpPr>
+        <p:spPr>
+          <a:xfrm>
+            <a:off x="590448" y="147917"/>
+            <a:ext cx="9404723" cy="1400530"/>
+          </a:xfrm>
+        </p:spPr>
+        <p:txBody>
+          <a:bodyPr/>
+          <a:lstStyle/>
+          <a:p>
+            <a:r>
+              <a:rPr lang="de-AT" dirty="0" err="1" smtClean="0"/>
+              <a:t>Retry</a:t>
+            </a:r>
+            <a:r>
+              <a:rPr lang="de-AT" dirty="0" smtClean="0"/>
+              <a:t>	 + </a:t>
+            </a:r>
+            <a:r>
+              <a:rPr lang="de-AT" dirty="0" err="1" smtClean="0"/>
+              <a:t>Safepoint</a:t>
+            </a:r>
+            <a:r>
+              <a:rPr lang="de-AT" dirty="0" smtClean="0"/>
+              <a:t>: </a:t>
+            </a:r>
+            <a:r>
+              <a:rPr lang="de-AT" dirty="0" err="1" smtClean="0"/>
+              <a:t>Failure</a:t>
+            </a:r>
+            <a:r>
+              <a:rPr lang="de-AT" dirty="0" smtClean="0"/>
+              <a:t> </a:t>
+            </a:r>
+            <a:r>
+              <a:rPr lang="de-AT" dirty="0" err="1" smtClean="0"/>
+              <a:t>handling</a:t>
+            </a:r>
+            <a:endParaRPr lang="de-AT" dirty="0"/>
+          </a:p>
+        </p:txBody>
+      </p:sp>
+      <p:pic>
+        <p:nvPicPr>
+          <p:cNvPr id="5" name="Inhaltsplatzhalter 4"/>
+          <p:cNvPicPr>
+            <a:picLocks noGrp="1" noChangeAspect="1"/>
+          </p:cNvPicPr>
+          <p:nvPr>
+            <p:ph idx="1"/>
+          </p:nvPr>
+        </p:nvPicPr>
+        <p:blipFill>
+          <a:blip r:embed="rId2">
+            <a:extLst>
+              <a:ext uri="{28A0092B-C50C-407E-A947-70E740481C1C}">
+                <a14:useLocalDpi xmlns:a14="http://schemas.microsoft.com/office/drawing/2010/main" val="0"/>
+              </a:ext>
+            </a:extLst>
+          </a:blip>
+          <a:stretch>
+            <a:fillRect/>
+          </a:stretch>
+        </p:blipFill>
+        <p:spPr>
+          <a:xfrm>
+            <a:off x="900551" y="1000737"/>
+            <a:ext cx="4514080" cy="5635591"/>
+          </a:xfrm>
+        </p:spPr>
+      </p:pic>
+      <p:sp>
+        <p:nvSpPr>
+          <p:cNvPr id="8" name="Textfeld 7"/>
+          <p:cNvSpPr txBox="1"/>
+          <p:nvPr/>
+        </p:nvSpPr>
+        <p:spPr>
+          <a:xfrm>
+            <a:off x="5929742" y="2148499"/>
+            <a:ext cx="5774338" cy="3970318"/>
+          </a:xfrm>
+          <a:prstGeom prst="rect">
+            <a:avLst/>
+          </a:prstGeom>
+          <a:noFill/>
+        </p:spPr>
+        <p:txBody>
+          <a:bodyPr wrap="none" rtlCol="0">
+            <a:spAutoFit/>
+          </a:bodyPr>
+          <a:lstStyle/>
+          <a:p>
+            <a:r>
+              <a:rPr lang="de-DE" dirty="0" smtClean="0"/>
+              <a:t>VMs </a:t>
+            </a:r>
+            <a:r>
+              <a:rPr lang="de-DE" dirty="0" err="1" smtClean="0"/>
+              <a:t>perform</a:t>
+            </a:r>
+            <a:r>
+              <a:rPr lang="de-DE" dirty="0" smtClean="0"/>
+              <a:t> </a:t>
+            </a:r>
+            <a:r>
+              <a:rPr lang="de-DE" dirty="0" err="1" smtClean="0"/>
+              <a:t>task</a:t>
+            </a:r>
+            <a:endParaRPr lang="de-DE" dirty="0" smtClean="0"/>
+          </a:p>
+          <a:p>
+            <a:endParaRPr lang="de-DE" dirty="0"/>
+          </a:p>
+          <a:p>
+            <a:r>
+              <a:rPr lang="de-DE" dirty="0" smtClean="0"/>
+              <a:t>PMs </a:t>
+            </a:r>
+            <a:r>
+              <a:rPr lang="de-DE" dirty="0" err="1" smtClean="0"/>
+              <a:t>concatinate</a:t>
+            </a:r>
+            <a:r>
+              <a:rPr lang="de-DE" dirty="0" smtClean="0"/>
+              <a:t> </a:t>
+            </a:r>
+            <a:r>
+              <a:rPr lang="de-DE" dirty="0" err="1" smtClean="0"/>
+              <a:t>task</a:t>
+            </a:r>
+            <a:r>
+              <a:rPr lang="de-DE" dirty="0" smtClean="0"/>
+              <a:t> </a:t>
+            </a:r>
+            <a:r>
+              <a:rPr lang="de-DE" dirty="0" err="1" smtClean="0"/>
+              <a:t>output</a:t>
+            </a:r>
+            <a:r>
+              <a:rPr lang="de-DE" dirty="0" smtClean="0"/>
+              <a:t> </a:t>
+            </a:r>
+            <a:r>
+              <a:rPr lang="de-DE" dirty="0" err="1" smtClean="0"/>
+              <a:t>to</a:t>
+            </a:r>
+            <a:r>
+              <a:rPr lang="de-DE" dirty="0" smtClean="0"/>
+              <a:t> </a:t>
+            </a:r>
+            <a:r>
+              <a:rPr lang="de-DE" dirty="0" err="1" smtClean="0"/>
+              <a:t>list</a:t>
+            </a:r>
+            <a:endParaRPr lang="de-DE" dirty="0" smtClean="0"/>
+          </a:p>
+          <a:p>
+            <a:endParaRPr lang="de-DE" dirty="0"/>
+          </a:p>
+          <a:p>
+            <a:r>
+              <a:rPr lang="de-DE" dirty="0" smtClean="0"/>
+              <a:t>Edge </a:t>
+            </a:r>
+            <a:r>
+              <a:rPr lang="de-DE" dirty="0" err="1" smtClean="0"/>
+              <a:t>checks</a:t>
+            </a:r>
+            <a:r>
+              <a:rPr lang="de-DE" dirty="0" smtClean="0"/>
+              <a:t> </a:t>
+            </a:r>
+            <a:r>
+              <a:rPr lang="de-DE" dirty="0" err="1" smtClean="0"/>
+              <a:t>for</a:t>
+            </a:r>
+            <a:r>
+              <a:rPr lang="de-DE" dirty="0" smtClean="0"/>
+              <a:t> </a:t>
+            </a:r>
+            <a:r>
+              <a:rPr lang="de-DE" dirty="0" err="1" smtClean="0"/>
+              <a:t>tolerance</a:t>
+            </a:r>
+            <a:r>
+              <a:rPr lang="de-DE" dirty="0" smtClean="0"/>
+              <a:t> </a:t>
+            </a:r>
+            <a:r>
+              <a:rPr lang="de-DE" dirty="0" err="1" smtClean="0"/>
+              <a:t>level</a:t>
+            </a:r>
+            <a:endParaRPr lang="de-DE" dirty="0" smtClean="0"/>
+          </a:p>
+          <a:p>
+            <a:endParaRPr lang="de-DE" dirty="0"/>
+          </a:p>
+          <a:p>
+            <a:r>
+              <a:rPr lang="de-DE" dirty="0" smtClean="0"/>
+              <a:t>Controller </a:t>
+            </a:r>
+            <a:r>
+              <a:rPr lang="de-DE" dirty="0" err="1" smtClean="0"/>
+              <a:t>decides</a:t>
+            </a:r>
+            <a:r>
+              <a:rPr lang="de-DE" dirty="0" smtClean="0"/>
+              <a:t> </a:t>
+            </a:r>
+            <a:r>
+              <a:rPr lang="de-DE" dirty="0" err="1" smtClean="0"/>
+              <a:t>between</a:t>
+            </a:r>
+            <a:r>
+              <a:rPr lang="de-DE" dirty="0" smtClean="0"/>
+              <a:t> </a:t>
+            </a:r>
+            <a:r>
+              <a:rPr lang="de-DE" dirty="0" err="1" smtClean="0"/>
+              <a:t>retry</a:t>
+            </a:r>
+            <a:r>
+              <a:rPr lang="de-DE" dirty="0" smtClean="0"/>
+              <a:t> </a:t>
+            </a:r>
+            <a:r>
+              <a:rPr lang="de-DE" dirty="0" err="1" smtClean="0"/>
+              <a:t>and</a:t>
+            </a:r>
+            <a:r>
+              <a:rPr lang="de-DE" dirty="0" smtClean="0"/>
+              <a:t> </a:t>
+            </a:r>
+            <a:r>
+              <a:rPr lang="de-DE" dirty="0" err="1" smtClean="0"/>
+              <a:t>task</a:t>
+            </a:r>
+            <a:r>
+              <a:rPr lang="de-DE" dirty="0" smtClean="0"/>
+              <a:t> </a:t>
+            </a:r>
+            <a:r>
+              <a:rPr lang="de-DE" dirty="0" err="1" smtClean="0"/>
+              <a:t>is</a:t>
+            </a:r>
+            <a:r>
+              <a:rPr lang="de-DE" dirty="0" smtClean="0"/>
+              <a:t> </a:t>
+            </a:r>
+            <a:r>
+              <a:rPr lang="de-DE" dirty="0" err="1" smtClean="0"/>
+              <a:t>done</a:t>
+            </a:r>
+            <a:endParaRPr lang="de-DE" dirty="0" smtClean="0"/>
+          </a:p>
+          <a:p>
+            <a:endParaRPr lang="de-DE" dirty="0"/>
+          </a:p>
+          <a:p>
+            <a:r>
+              <a:rPr lang="de-DE" dirty="0" smtClean="0"/>
+              <a:t>New </a:t>
+            </a:r>
+            <a:r>
+              <a:rPr lang="de-DE" dirty="0" err="1" smtClean="0"/>
+              <a:t>edge</a:t>
+            </a:r>
+            <a:r>
+              <a:rPr lang="de-DE" dirty="0" smtClean="0"/>
+              <a:t> </a:t>
+            </a:r>
+            <a:r>
+              <a:rPr lang="de-DE" dirty="0" err="1" smtClean="0"/>
+              <a:t>is</a:t>
+            </a:r>
+            <a:r>
+              <a:rPr lang="de-DE" dirty="0" smtClean="0"/>
+              <a:t> </a:t>
+            </a:r>
+            <a:r>
+              <a:rPr lang="de-DE" dirty="0" err="1" smtClean="0"/>
+              <a:t>evaluated</a:t>
+            </a:r>
+            <a:r>
+              <a:rPr lang="de-DE" dirty="0"/>
+              <a:t> </a:t>
+            </a:r>
+            <a:r>
+              <a:rPr lang="de-DE" dirty="0" err="1" smtClean="0"/>
+              <a:t>and</a:t>
+            </a:r>
+            <a:r>
+              <a:rPr lang="de-DE" dirty="0" smtClean="0"/>
+              <a:t> </a:t>
+            </a:r>
+            <a:r>
+              <a:rPr lang="de-DE" dirty="0" err="1" smtClean="0"/>
+              <a:t>gets</a:t>
+            </a:r>
+            <a:r>
+              <a:rPr lang="de-DE" dirty="0" smtClean="0"/>
+              <a:t> </a:t>
+            </a:r>
+            <a:r>
+              <a:rPr lang="de-DE" dirty="0" err="1" smtClean="0"/>
+              <a:t>tasks</a:t>
+            </a:r>
+            <a:r>
+              <a:rPr lang="de-DE" dirty="0" smtClean="0"/>
+              <a:t> </a:t>
+            </a:r>
+            <a:r>
+              <a:rPr lang="de-DE" dirty="0" err="1" smtClean="0"/>
+              <a:t>to</a:t>
+            </a:r>
+            <a:r>
+              <a:rPr lang="de-DE" dirty="0" smtClean="0"/>
+              <a:t> </a:t>
+            </a:r>
+            <a:r>
+              <a:rPr lang="de-DE" dirty="0" err="1" smtClean="0"/>
+              <a:t>perform</a:t>
+            </a:r>
+            <a:r>
+              <a:rPr lang="de-DE" dirty="0" smtClean="0"/>
+              <a:t> </a:t>
+            </a:r>
+          </a:p>
+          <a:p>
+            <a:r>
+              <a:rPr lang="de-DE" dirty="0" smtClean="0"/>
+              <a:t>after </a:t>
+            </a:r>
+            <a:r>
+              <a:rPr lang="de-DE" dirty="0" err="1" smtClean="0"/>
+              <a:t>the</a:t>
+            </a:r>
+            <a:r>
+              <a:rPr lang="de-DE" dirty="0" smtClean="0"/>
+              <a:t> </a:t>
+            </a:r>
+            <a:r>
+              <a:rPr lang="de-DE" dirty="0" err="1" smtClean="0"/>
+              <a:t>safepoint</a:t>
+            </a:r>
+            <a:endParaRPr lang="de-DE" dirty="0" smtClean="0"/>
+          </a:p>
+          <a:p>
+            <a:endParaRPr lang="de-DE" dirty="0"/>
+          </a:p>
+          <a:p>
+            <a:r>
+              <a:rPr lang="de-DE" dirty="0" err="1" smtClean="0"/>
+              <a:t>Physical</a:t>
+            </a:r>
+            <a:r>
+              <a:rPr lang="de-DE" dirty="0" smtClean="0"/>
+              <a:t> </a:t>
+            </a:r>
+            <a:r>
+              <a:rPr lang="de-DE" dirty="0" smtClean="0"/>
+              <a:t>Machines</a:t>
+            </a:r>
+            <a:r>
+              <a:rPr lang="de-DE" dirty="0" smtClean="0"/>
+              <a:t>: hold VMs</a:t>
+            </a:r>
+          </a:p>
+          <a:p>
+            <a:endParaRPr lang="de-DE" dirty="0"/>
+          </a:p>
+          <a:p>
+            <a:r>
+              <a:rPr lang="de-DE" dirty="0" smtClean="0"/>
+              <a:t>Virtual </a:t>
+            </a:r>
+            <a:r>
+              <a:rPr lang="de-DE" dirty="0" smtClean="0"/>
+              <a:t>Machines</a:t>
+            </a:r>
+            <a:r>
+              <a:rPr lang="de-DE" dirty="0" smtClean="0"/>
+              <a:t>: </a:t>
+            </a:r>
+            <a:r>
+              <a:rPr lang="de-DE" dirty="0" err="1" smtClean="0"/>
+              <a:t>perform</a:t>
+            </a:r>
+            <a:r>
+              <a:rPr lang="de-DE" dirty="0" smtClean="0"/>
+              <a:t>  </a:t>
+            </a:r>
+            <a:r>
+              <a:rPr lang="de-DE" dirty="0" err="1" smtClean="0"/>
+              <a:t>task</a:t>
+            </a:r>
+            <a:endParaRPr lang="de-DE" dirty="0"/>
+          </a:p>
+        </p:txBody>
+      </p:sp>
+    </p:spTree>
+    <p:extLst>
+      <p:ext uri="{BB962C8B-B14F-4D97-AF65-F5344CB8AC3E}">
+        <p14:creationId xmlns:p14="http://schemas.microsoft.com/office/powerpoint/2010/main" val="122750125"/>
+      </p:ext>
+    </p:extLst>
+  </p:cSld>
+  <p:clrMapOvr>
+    <a:masterClrMapping/>
+  </p:clrMapOvr>
+</p:sld>
+</file>
+
+<file path=ppt/slides/slide5.xml><?xml version="1.0" encoding="utf-8"?>
+<p:sld xmlns:a="http://schemas.openxmlformats.org/drawingml/2006/main" xmlns:r="http://schemas.openxmlformats.org/officeDocument/2006/relationships" xmlns:p="http://schemas.openxmlformats.org/presentationml/2006/main">
+  <p:cSld>
+    <p:spTree>
+      <p:nvGrpSpPr>
+        <p:cNvPr id="1" name=""/>
+        <p:cNvGrpSpPr/>
+        <p:nvPr/>
+      </p:nvGrpSpPr>
+      <p:grpSpPr>
+        <a:xfrm>
+          <a:off x="0" y="0"/>
+          <a:ext cx="0" cy="0"/>
+          <a:chOff x="0" y="0"/>
+          <a:chExt cx="0" cy="0"/>
+        </a:xfrm>
+      </p:grpSpPr>
+      <p:sp>
+        <p:nvSpPr>
+          <p:cNvPr id="2" name="Titel 1"/>
+          <p:cNvSpPr>
+            <a:spLocks noGrp="1"/>
+          </p:cNvSpPr>
+          <p:nvPr>
+            <p:ph type="title"/>
+          </p:nvPr>
+        </p:nvSpPr>
+        <p:spPr>
+          <a:xfrm>
+            <a:off x="646111" y="452718"/>
+            <a:ext cx="9404723" cy="1002009"/>
+          </a:xfrm>
+        </p:spPr>
+        <p:txBody>
+          <a:bodyPr/>
+          <a:lstStyle/>
+          <a:p>
+            <a:r>
+              <a:rPr lang="de-AT" dirty="0" err="1" smtClean="0"/>
               <a:t>JMeter</a:t>
             </a:r>
             <a:r>
@@ -6124,13 +7567,34 @@
             <p:ph idx="1"/>
           </p:nvPr>
         </p:nvSpPr>
-        <p:spPr/>
+        <p:spPr>
+          <a:xfrm>
+            <a:off x="614217" y="1180082"/>
+            <a:ext cx="8946541" cy="4195481"/>
+          </a:xfrm>
+        </p:spPr>
         <p:txBody>
           <a:bodyPr/>
           <a:lstStyle/>
           <a:p>
+            <a:endParaRPr lang="en-US" dirty="0" smtClean="0"/>
+          </a:p>
+          <a:p>
+            <a:r>
+              <a:rPr lang="en-US" dirty="0" err="1"/>
+              <a:t>Jmeter</a:t>
+            </a:r>
             <a:r>
               <a:rPr lang="en-US" dirty="0"/>
+              <a:t> generates HTTP Requests which are our workload</a:t>
+            </a:r>
+          </a:p>
+          <a:p>
+            <a:endParaRPr lang="en-US" dirty="0" smtClean="0"/>
+          </a:p>
+          <a:p>
+            <a:r>
+              <a:rPr lang="en-US" dirty="0" smtClean="0"/>
               <a:t>Apache </a:t>
             </a:r>
             <a:r>
@@ -6179,8 +7643,8 @@
         </p:blipFill>
         <p:spPr bwMode="auto">
           <a:xfrm>
-            <a:off x="6660284" y="3952212"/>
-            <a:ext cx="5067300" cy="2573280"/>
+            <a:off x="8142080" y="4862945"/>
+            <a:ext cx="2837356" cy="1440868"/>
           </a:xfrm>
           <a:prstGeom prst="rect">
             <a:avLst/>
@@ -6210,7 +7674,7 @@
 </p:sld>
 </file>
 
-<file path=ppt/slides/slide3.xml><?xml version="1.0" encoding="utf-8"?>
+<file path=ppt/slides/slide6.xml><?xml version="1.0" encoding="utf-8"?>
 <p:sld xmlns:a="http://schemas.openxmlformats.org/drawingml/2006/main" xmlns:r="http://schemas.openxmlformats.org/officeDocument/2006/relationships" xmlns:p="http://schemas.openxmlformats.org/presentationml/2006/main">
   <p:cSld>
     <p:spTree>
@@ -6237,43 +7701,238 @@
             <p:ph type="title"/>
           </p:nvPr>
         </p:nvSpPr>
-        <p:spPr/>
+        <p:spPr>
+          <a:xfrm>
+            <a:off x="335506" y="-138549"/>
+            <a:ext cx="8769927" cy="1426184"/>
+          </a:xfrm>
+        </p:spPr>
         <p:txBody>
           <a:bodyPr/>
           <a:lstStyle/>
           <a:p>
             <a:pPr algn="ctr"/>
             <a:r>
-              <a:rPr lang="de-AT" sz="5400" dirty="0" err="1" smtClean="0"/>
-              <a:t>Questions</a:t>
-            </a:r>
-            <a:r>
-              <a:rPr lang="de-AT" sz="5400" dirty="0" smtClean="0"/>
-              <a:t>?</a:t>
-            </a:r>
-            <a:br>
-              <a:rPr lang="de-AT" sz="5400" dirty="0" smtClean="0"/>
-            </a:br>
-            <a:endParaRPr lang="de-AT" sz="5400" dirty="0"/>
-          </a:p>
-        </p:txBody>
-      </p:sp>
-      <p:sp>
-        <p:nvSpPr>
-          <p:cNvPr id="3" name="Textplatzhalter 2"/>
-          <p:cNvSpPr>
-            <a:spLocks noGrp="1"/>
-          </p:cNvSpPr>
-          <p:nvPr>
-            <p:ph type="body" idx="1"/>
-          </p:nvPr>
-        </p:nvSpPr>
-        <p:spPr/>
-        <p:txBody>
-          <a:bodyPr/>
+              <a:rPr lang="de-AT" sz="4200" dirty="0" smtClean="0"/>
+              <a:t>Performance </a:t>
+            </a:r>
+            <a:r>
+              <a:rPr lang="de-AT" sz="4200" smtClean="0"/>
+              <a:t>&amp; Sampling </a:t>
+            </a:r>
+            <a:r>
+              <a:rPr lang="de-AT" sz="4200" dirty="0" smtClean="0"/>
+              <a:t>Time</a:t>
+            </a:r>
+            <a:endParaRPr lang="de-AT" sz="4200" dirty="0"/>
+          </a:p>
+        </p:txBody>
+      </p:sp>
+      <p:sp>
+        <p:nvSpPr>
+          <p:cNvPr id="4" name="Textfeld 3"/>
+          <p:cNvSpPr txBox="1"/>
+          <p:nvPr/>
+        </p:nvSpPr>
+        <p:spPr>
+          <a:xfrm>
+            <a:off x="0" y="1503731"/>
+            <a:ext cx="12191999" cy="1138773"/>
+          </a:xfrm>
+          <a:prstGeom prst="rect">
+            <a:avLst/>
+          </a:prstGeom>
+          <a:noFill/>
+        </p:spPr>
+        <p:txBody>
+          <a:bodyPr wrap="square" rtlCol="0">
+            <a:spAutoFit/>
+          </a:bodyPr>
           <a:lstStyle/>
           <a:p>
-            <a:endParaRPr lang="de-AT"/>
+            <a:endParaRPr lang="de-DE" dirty="0"/>
+          </a:p>
+          <a:p>
+            <a:pPr algn="ctr"/>
+            <a:r>
+              <a:rPr lang="de-DE" sz="3200" dirty="0" smtClean="0"/>
+              <a:t>New </a:t>
+            </a:r>
+            <a:r>
+              <a:rPr lang="de-DE" sz="3200" dirty="0" err="1" smtClean="0"/>
+              <a:t>Algorithm</a:t>
+            </a:r>
+            <a:r>
+              <a:rPr lang="de-DE" sz="3200" dirty="0" smtClean="0"/>
+              <a:t>  &gt;=  </a:t>
+            </a:r>
+            <a:r>
+              <a:rPr lang="de-DE" sz="3200" dirty="0" err="1" smtClean="0"/>
+              <a:t>Retry</a:t>
+            </a:r>
+            <a:endParaRPr lang="de-DE" sz="3200" dirty="0" smtClean="0"/>
+          </a:p>
+          <a:p>
+            <a:endParaRPr lang="de-DE" dirty="0"/>
+          </a:p>
+        </p:txBody>
+      </p:sp>
+      <p:sp>
+        <p:nvSpPr>
+          <p:cNvPr id="7" name="Textfeld 6"/>
+          <p:cNvSpPr txBox="1"/>
+          <p:nvPr/>
+        </p:nvSpPr>
+        <p:spPr>
+          <a:xfrm>
+            <a:off x="723444" y="3020291"/>
+            <a:ext cx="10484883" cy="2800767"/>
+          </a:xfrm>
+          <a:prstGeom prst="rect">
+            <a:avLst/>
+          </a:prstGeom>
+          <a:noFill/>
+        </p:spPr>
+        <p:txBody>
+          <a:bodyPr wrap="square" rtlCol="0">
+            <a:spAutoFit/>
+          </a:bodyPr>
+          <a:lstStyle/>
+          <a:p>
+            <a:pPr marL="342900" indent="-342900">
+              <a:buFont typeface="Arial" charset="0"/>
+              <a:buChar char="•"/>
+            </a:pPr>
+            <a:r>
+              <a:rPr lang="de-DE" sz="2000" dirty="0" smtClean="0"/>
+              <a:t>Enhanced </a:t>
+            </a:r>
+            <a:r>
+              <a:rPr lang="de-DE" sz="2000" dirty="0" err="1" smtClean="0"/>
+              <a:t>Algorithm</a:t>
+            </a:r>
+            <a:r>
+              <a:rPr lang="de-DE" sz="2000" dirty="0" smtClean="0"/>
+              <a:t>:</a:t>
+            </a:r>
+          </a:p>
+          <a:p>
+            <a:pPr marL="914400" lvl="1" indent="-457200">
+              <a:buFont typeface="Arial" charset="0"/>
+              <a:buChar char="•"/>
+            </a:pPr>
+            <a:r>
+              <a:rPr lang="de-DE" sz="2000" dirty="0" err="1" smtClean="0"/>
+              <a:t>retry</a:t>
+            </a:r>
+            <a:r>
+              <a:rPr lang="de-DE" sz="2000" dirty="0" smtClean="0"/>
+              <a:t> on </a:t>
+            </a:r>
+            <a:r>
+              <a:rPr lang="de-DE" sz="2000" dirty="0" err="1" smtClean="0"/>
+              <a:t>new</a:t>
+            </a:r>
+            <a:r>
+              <a:rPr lang="de-DE" sz="2000" dirty="0" smtClean="0"/>
+              <a:t> </a:t>
+            </a:r>
+            <a:r>
+              <a:rPr lang="de-DE" sz="2000" dirty="0" err="1" smtClean="0"/>
+              <a:t>edge</a:t>
+            </a:r>
+            <a:endParaRPr lang="de-DE" sz="2000" dirty="0"/>
+          </a:p>
+          <a:p>
+            <a:pPr marL="914400" lvl="1" indent="-457200">
+              <a:buFont typeface="Arial" charset="0"/>
+              <a:buChar char="•"/>
+            </a:pPr>
+            <a:r>
+              <a:rPr lang="de-DE" sz="2000" dirty="0" err="1"/>
+              <a:t>s</a:t>
+            </a:r>
+            <a:r>
+              <a:rPr lang="de-DE" sz="2000" dirty="0" err="1" smtClean="0"/>
+              <a:t>afepoint</a:t>
+            </a:r>
+            <a:r>
+              <a:rPr lang="de-DE" sz="2000" dirty="0" smtClean="0"/>
+              <a:t> </a:t>
+            </a:r>
+          </a:p>
+          <a:p>
+            <a:pPr marL="914400" lvl="1" indent="-457200">
+              <a:buFont typeface="Arial" charset="0"/>
+              <a:buChar char="•"/>
+            </a:pPr>
+            <a:endParaRPr lang="de-DE" sz="2000" dirty="0" smtClean="0"/>
+          </a:p>
+          <a:p>
+            <a:pPr marL="342900" indent="-342900">
+              <a:buFont typeface="Arial" charset="0"/>
+              <a:buChar char="•"/>
+            </a:pPr>
+            <a:r>
+              <a:rPr lang="de-DE" sz="2000" dirty="0" smtClean="0"/>
+              <a:t>Sampling time </a:t>
+            </a:r>
+            <a:r>
+              <a:rPr lang="de-DE" sz="2000" dirty="0" err="1" smtClean="0"/>
+              <a:t>every</a:t>
+            </a:r>
+            <a:r>
+              <a:rPr lang="de-DE" sz="2000" dirty="0" smtClean="0"/>
+              <a:t> </a:t>
+            </a:r>
+            <a:r>
+              <a:rPr lang="de-DE" sz="2000" dirty="0" smtClean="0"/>
+              <a:t>5 </a:t>
+            </a:r>
+            <a:r>
+              <a:rPr lang="de-DE" sz="2000" dirty="0" err="1" smtClean="0"/>
+              <a:t>minutes</a:t>
+            </a:r>
+            <a:endParaRPr lang="de-DE" sz="2000" dirty="0" smtClean="0"/>
+          </a:p>
+          <a:p>
+            <a:pPr marL="914400" lvl="1" indent="-457200">
+              <a:buFont typeface="Arial" charset="0"/>
+              <a:buChar char="•"/>
+            </a:pPr>
+            <a:r>
+              <a:rPr lang="de-DE" sz="2000" dirty="0" smtClean="0"/>
+              <a:t>Fast </a:t>
+            </a:r>
+            <a:r>
+              <a:rPr lang="de-DE" sz="2000" dirty="0" err="1" smtClean="0"/>
+              <a:t>handling</a:t>
+            </a:r>
+            <a:r>
+              <a:rPr lang="de-DE" sz="2000" dirty="0" smtClean="0"/>
+              <a:t> </a:t>
+            </a:r>
+          </a:p>
+          <a:p>
+            <a:pPr marL="914400" lvl="1" indent="-457200">
+              <a:buFont typeface="Arial" charset="0"/>
+              <a:buChar char="•"/>
+            </a:pPr>
+            <a:r>
+              <a:rPr lang="de-DE" sz="2000" dirty="0" smtClean="0"/>
+              <a:t>Fast </a:t>
+            </a:r>
+            <a:r>
+              <a:rPr lang="de-DE" sz="2000" dirty="0" err="1" smtClean="0"/>
+              <a:t>performance</a:t>
+            </a:r>
+            <a:endParaRPr lang="de-DE" sz="2000" dirty="0"/>
+          </a:p>
+          <a:p>
+            <a:endParaRPr lang="de-DE" dirty="0"/>
+          </a:p>
+          <a:p>
+            <a:endParaRPr lang="de-DE" dirty="0"/>
           </a:p>
         </p:txBody>
       </p:sp>
@@ -6297,7 +7956,7 @@
 </p:sld>
 </file>
 
-<file path=ppt/slides/slide4.xml><?xml version="1.0" encoding="utf-8"?>
+<file path=ppt/slides/slide7.xml><?xml version="1.0" encoding="utf-8"?>
 <p:sld xmlns:a="http://schemas.openxmlformats.org/drawingml/2006/main" xmlns:r="http://schemas.openxmlformats.org/officeDocument/2006/relationships" xmlns:p="http://schemas.openxmlformats.org/presentationml/2006/main">
   <p:cSld>
     <p:spTree>
@@ -6324,46 +7983,547 @@
             <p:ph type="title"/>
           </p:nvPr>
         </p:nvSpPr>
-        <p:spPr/>
+        <p:spPr>
+          <a:xfrm>
+            <a:off x="1044120" y="0"/>
+            <a:ext cx="8825657" cy="1915647"/>
+          </a:xfrm>
+        </p:spPr>
         <p:txBody>
           <a:bodyPr/>
           <a:lstStyle/>
           <a:p>
-            <a:r>
-              <a:rPr lang="de-DE" dirty="0" smtClean="0"/>
-              <a:t>References:</a:t>
-            </a:r>
+            <a:pPr algn="ctr"/>
+            <a:r>
+              <a:rPr lang="de-AT" sz="5400" dirty="0" smtClean="0"/>
+              <a:t>SLAs</a:t>
+            </a:r>
+            <a:br>
+              <a:rPr lang="de-AT" sz="5400" dirty="0" smtClean="0"/>
+            </a:br>
+            <a:endParaRPr lang="de-AT" sz="5400" dirty="0"/>
+          </a:p>
+        </p:txBody>
+      </p:sp>
+      <p:sp>
+        <p:nvSpPr>
+          <p:cNvPr id="4" name="Textfeld 3"/>
+          <p:cNvSpPr txBox="1"/>
+          <p:nvPr/>
+        </p:nvSpPr>
+        <p:spPr>
+          <a:xfrm>
+            <a:off x="540327" y="2148499"/>
+            <a:ext cx="11246883" cy="3554819"/>
+          </a:xfrm>
+          <a:prstGeom prst="rect">
+            <a:avLst/>
+          </a:prstGeom>
+          <a:noFill/>
+        </p:spPr>
+        <p:txBody>
+          <a:bodyPr wrap="square" rtlCol="0">
+            <a:spAutoFit/>
+          </a:bodyPr>
+          <a:lstStyle/>
+          <a:p>
+            <a:pPr marL="285750" indent="-285750">
+              <a:buFont typeface="Arial" charset="0"/>
+              <a:buChar char="•"/>
+            </a:pPr>
+            <a:r>
+              <a:rPr lang="de-DE" dirty="0" smtClean="0"/>
+              <a:t>Performance: Maximum </a:t>
+            </a:r>
+            <a:r>
+              <a:rPr lang="de-DE" dirty="0" err="1" smtClean="0"/>
+              <a:t>of</a:t>
+            </a:r>
+            <a:r>
+              <a:rPr lang="de-DE" dirty="0" smtClean="0"/>
+              <a:t> 2 % </a:t>
+            </a:r>
+            <a:r>
+              <a:rPr lang="de-DE" dirty="0" err="1" smtClean="0"/>
+              <a:t>failed</a:t>
+            </a:r>
+            <a:r>
+              <a:rPr lang="de-DE" dirty="0" smtClean="0"/>
+              <a:t> </a:t>
+            </a:r>
+            <a:r>
+              <a:rPr lang="de-DE" dirty="0" err="1" smtClean="0"/>
+              <a:t>tasks</a:t>
+            </a:r>
+            <a:r>
+              <a:rPr lang="de-DE" dirty="0" smtClean="0"/>
+              <a:t> per </a:t>
+            </a:r>
+            <a:r>
+              <a:rPr lang="de-DE" dirty="0" err="1" smtClean="0"/>
+              <a:t>fullfilled</a:t>
+            </a:r>
+            <a:r>
+              <a:rPr lang="de-DE" dirty="0" smtClean="0"/>
+              <a:t> </a:t>
+            </a:r>
+            <a:r>
+              <a:rPr lang="de-DE" dirty="0" err="1" smtClean="0"/>
+              <a:t>request</a:t>
+            </a:r>
+            <a:endParaRPr lang="de-DE" dirty="0" smtClean="0"/>
+          </a:p>
+          <a:p>
+            <a:endParaRPr lang="de-DE" dirty="0" smtClean="0"/>
+          </a:p>
+          <a:p>
+            <a:pPr marL="285750" indent="-285750">
+              <a:buFont typeface="Arial" charset="0"/>
+              <a:buChar char="•"/>
+            </a:pPr>
+            <a:r>
+              <a:rPr lang="de-DE" dirty="0" err="1" smtClean="0"/>
+              <a:t>Latency</a:t>
+            </a:r>
+            <a:r>
+              <a:rPr lang="de-DE" dirty="0" smtClean="0"/>
+              <a:t>: Per </a:t>
+            </a:r>
+            <a:r>
+              <a:rPr lang="de-DE" dirty="0" smtClean="0"/>
+              <a:t>100 </a:t>
+            </a:r>
+            <a:r>
+              <a:rPr lang="de-DE" dirty="0" err="1" smtClean="0"/>
+              <a:t>tasks</a:t>
+            </a:r>
+            <a:r>
+              <a:rPr lang="de-DE" dirty="0" smtClean="0"/>
+              <a:t> </a:t>
+            </a:r>
+            <a:r>
+              <a:rPr lang="de-DE" dirty="0" err="1" smtClean="0"/>
+              <a:t>maximum</a:t>
+            </a:r>
+            <a:r>
+              <a:rPr lang="de-DE" dirty="0" smtClean="0"/>
+              <a:t> </a:t>
+            </a:r>
+            <a:r>
+              <a:rPr lang="de-DE" dirty="0" smtClean="0"/>
+              <a:t>0,5</a:t>
+            </a:r>
+            <a:r>
+              <a:rPr lang="de-DE" dirty="0" smtClean="0"/>
+              <a:t> </a:t>
+            </a:r>
+            <a:r>
+              <a:rPr lang="de-DE" dirty="0" err="1" smtClean="0"/>
+              <a:t>seconds</a:t>
+            </a:r>
+            <a:r>
+              <a:rPr lang="de-DE" dirty="0" smtClean="0"/>
+              <a:t> </a:t>
+            </a:r>
+            <a:r>
+              <a:rPr lang="de-DE" dirty="0" err="1" smtClean="0"/>
+              <a:t>of</a:t>
+            </a:r>
+            <a:r>
+              <a:rPr lang="de-DE" dirty="0" smtClean="0"/>
+              <a:t> </a:t>
+            </a:r>
+            <a:r>
+              <a:rPr lang="de-DE" dirty="0" err="1" smtClean="0"/>
+              <a:t>processing</a:t>
+            </a:r>
+            <a:r>
+              <a:rPr lang="de-DE" dirty="0" smtClean="0"/>
+              <a:t> time</a:t>
+            </a:r>
+          </a:p>
+          <a:p>
+            <a:pPr marL="285750" indent="-285750">
+              <a:buFont typeface="Arial" charset="0"/>
+              <a:buChar char="•"/>
+            </a:pPr>
             <a:endParaRPr lang="de-DE" dirty="0"/>
           </a:p>
-        </p:txBody>
-      </p:sp>
-      <p:sp>
-        <p:nvSpPr>
-          <p:cNvPr id="3" name="Inhaltsplatzhalter 2"/>
-          <p:cNvSpPr>
-            <a:spLocks noGrp="1"/>
-          </p:cNvSpPr>
-          <p:nvPr>
-            <p:ph idx="1"/>
-          </p:nvPr>
-        </p:nvSpPr>
-        <p:spPr/>
-        <p:txBody>
-          <a:bodyPr/>
-          <a:lstStyle/>
-          <a:p>
-            <a:r>
-              <a:rPr lang="en-US" dirty="0"/>
-              <a:t>https://jmeter.apache.org/</a:t>
-            </a:r>
+          <a:p>
+            <a:pPr marL="285750" indent="-285750">
+              <a:buFont typeface="Arial" charset="0"/>
+              <a:buChar char="•"/>
+            </a:pPr>
+            <a:r>
+              <a:rPr lang="de-DE" dirty="0" err="1" smtClean="0"/>
+              <a:t>Recovery</a:t>
+            </a:r>
+            <a:r>
+              <a:rPr lang="de-DE" dirty="0" smtClean="0"/>
+              <a:t>: </a:t>
+            </a:r>
+            <a:r>
+              <a:rPr lang="de-DE" dirty="0" err="1" smtClean="0"/>
+              <a:t>Mean</a:t>
+            </a:r>
+            <a:r>
+              <a:rPr lang="de-DE" dirty="0" smtClean="0"/>
+              <a:t> time </a:t>
+            </a:r>
+            <a:r>
+              <a:rPr lang="de-DE" dirty="0" err="1" smtClean="0"/>
+              <a:t>to</a:t>
+            </a:r>
+            <a:r>
+              <a:rPr lang="de-DE" dirty="0" smtClean="0"/>
+              <a:t> </a:t>
+            </a:r>
+            <a:r>
+              <a:rPr lang="de-DE" dirty="0" err="1" smtClean="0"/>
+              <a:t>recover</a:t>
+            </a:r>
+            <a:r>
+              <a:rPr lang="de-DE" dirty="0" smtClean="0"/>
+              <a:t> </a:t>
+            </a:r>
+            <a:r>
+              <a:rPr lang="de-DE" dirty="0" err="1" smtClean="0"/>
+              <a:t>from</a:t>
+            </a:r>
+            <a:r>
+              <a:rPr lang="de-DE" dirty="0" smtClean="0"/>
+              <a:t> </a:t>
+            </a:r>
+            <a:r>
+              <a:rPr lang="de-DE" dirty="0" err="1" smtClean="0"/>
+              <a:t>failure</a:t>
+            </a:r>
+            <a:r>
+              <a:rPr lang="de-DE" dirty="0" smtClean="0"/>
+              <a:t> 0,2 </a:t>
+            </a:r>
+            <a:r>
+              <a:rPr lang="de-DE" dirty="0" err="1" smtClean="0"/>
+              <a:t>seconds</a:t>
+            </a:r>
+            <a:endParaRPr lang="de-DE" dirty="0" smtClean="0"/>
+          </a:p>
+          <a:p>
+            <a:pPr marL="285750" indent="-285750">
+              <a:buFont typeface="Arial" charset="0"/>
+              <a:buChar char="•"/>
+            </a:pPr>
             <a:endParaRPr lang="de-DE" dirty="0"/>
+          </a:p>
+          <a:p>
+            <a:pPr marL="285750" indent="-285750">
+              <a:buFont typeface="Arial" charset="0"/>
+              <a:buChar char="•"/>
+            </a:pPr>
+            <a:r>
+              <a:rPr lang="de-DE" dirty="0" smtClean="0"/>
+              <a:t>VM </a:t>
+            </a:r>
+            <a:r>
+              <a:rPr lang="de-DE" dirty="0" err="1" smtClean="0"/>
+              <a:t>characteristics</a:t>
+            </a:r>
+            <a:r>
+              <a:rPr lang="de-DE" dirty="0" smtClean="0"/>
+              <a:t>: </a:t>
+            </a:r>
+          </a:p>
+          <a:p>
+            <a:pPr marL="1200150" lvl="2" indent="-285750">
+              <a:lnSpc>
+                <a:spcPct val="150000"/>
+              </a:lnSpc>
+              <a:buFont typeface="Arial" charset="0"/>
+              <a:buChar char="•"/>
+            </a:pPr>
+            <a:r>
+              <a:rPr lang="de-DE" dirty="0" smtClean="0"/>
+              <a:t>CPU 2GHz</a:t>
+            </a:r>
+          </a:p>
+          <a:p>
+            <a:pPr marL="1200150" lvl="2" indent="-285750">
+              <a:lnSpc>
+                <a:spcPct val="150000"/>
+              </a:lnSpc>
+              <a:buFont typeface="Arial" charset="0"/>
+              <a:buChar char="•"/>
+            </a:pPr>
+            <a:r>
+              <a:rPr lang="de-DE" dirty="0" smtClean="0"/>
+              <a:t>RAM: 4GB</a:t>
+            </a:r>
+          </a:p>
+          <a:p>
+            <a:pPr marL="1200150" lvl="2" indent="-285750">
+              <a:lnSpc>
+                <a:spcPct val="150000"/>
+              </a:lnSpc>
+              <a:buFont typeface="Arial" charset="0"/>
+              <a:buChar char="•"/>
+            </a:pPr>
+            <a:r>
+              <a:rPr lang="de-DE" dirty="0" err="1" smtClean="0"/>
+              <a:t>Bandwidth</a:t>
+            </a:r>
+            <a:r>
+              <a:rPr lang="de-DE" dirty="0" smtClean="0"/>
+              <a:t> 100Mbit/s</a:t>
+            </a:r>
+            <a:endParaRPr lang="de-DE" dirty="0" smtClean="0"/>
+          </a:p>
+          <a:p>
+            <a:endParaRPr lang="de-DE" dirty="0" smtClean="0"/>
           </a:p>
         </p:txBody>
       </p:sp>
     </p:spTree>
     <p:extLst>
       <p:ext uri="{BB962C8B-B14F-4D97-AF65-F5344CB8AC3E}">
-        <p14:creationId xmlns:p14="http://schemas.microsoft.com/office/powerpoint/2010/main" val="228699778"/>
+        <p14:creationId xmlns:p14="http://schemas.microsoft.com/office/powerpoint/2010/main" val="599697076"/>
+      </p:ext>
+    </p:extLst>
+  </p:cSld>
+  <p:clrMapOvr>
+    <a:masterClrMapping/>
+  </p:clrMapOvr>
+  <p:timing>
+    <p:tnLst>
+      <p:par>
+        <p:cTn id="1" dur="indefinite" restart="never" nodeType="tmRoot"/>
+      </p:par>
+    </p:tnLst>
+  </p:timing>
+</p:sld>
+</file>
+
+<file path=ppt/slides/slide8.xml><?xml version="1.0" encoding="utf-8"?>
+<p:sld xmlns:a="http://schemas.openxmlformats.org/drawingml/2006/main" xmlns:r="http://schemas.openxmlformats.org/officeDocument/2006/relationships" xmlns:p="http://schemas.openxmlformats.org/presentationml/2006/main">
+  <p:cSld>
+    <p:spTree>
+      <p:nvGrpSpPr>
+        <p:cNvPr id="1" name=""/>
+        <p:cNvGrpSpPr/>
+        <p:nvPr/>
+      </p:nvGrpSpPr>
+      <p:grpSpPr>
+        <a:xfrm>
+          <a:off x="0" y="0"/>
+          <a:ext cx="0" cy="0"/>
+          <a:chOff x="0" y="0"/>
+          <a:chExt cx="0" cy="0"/>
+        </a:xfrm>
+      </p:grpSpPr>
+      <p:sp>
+        <p:nvSpPr>
+          <p:cNvPr id="2" name="Titel 1"/>
+          <p:cNvSpPr>
+            <a:spLocks noGrp="1"/>
+          </p:cNvSpPr>
+          <p:nvPr>
+            <p:ph type="title"/>
+          </p:nvPr>
+        </p:nvSpPr>
+        <p:spPr>
+          <a:xfrm>
+            <a:off x="1044120" y="0"/>
+            <a:ext cx="9371013" cy="1319902"/>
+          </a:xfrm>
+        </p:spPr>
+        <p:txBody>
+          <a:bodyPr/>
+          <a:lstStyle/>
+          <a:p>
+            <a:pPr algn="ctr"/>
+            <a:r>
+              <a:rPr lang="de-AT" sz="5400" dirty="0" err="1" smtClean="0"/>
+              <a:t>Programming</a:t>
+            </a:r>
+            <a:r>
+              <a:rPr lang="de-AT" sz="5400" dirty="0" smtClean="0"/>
+              <a:t> </a:t>
+            </a:r>
+            <a:r>
+              <a:rPr lang="de-AT" sz="5400" dirty="0" smtClean="0"/>
+              <a:t>Environment</a:t>
+            </a:r>
+            <a:endParaRPr lang="de-AT" sz="5400" dirty="0"/>
+          </a:p>
+        </p:txBody>
+      </p:sp>
+      <p:sp>
+        <p:nvSpPr>
+          <p:cNvPr id="4" name="Textfeld 3"/>
+          <p:cNvSpPr txBox="1"/>
+          <p:nvPr/>
+        </p:nvSpPr>
+        <p:spPr>
+          <a:xfrm>
+            <a:off x="945117" y="2079226"/>
+            <a:ext cx="11246883" cy="3231654"/>
+          </a:xfrm>
+          <a:prstGeom prst="rect">
+            <a:avLst/>
+          </a:prstGeom>
+          <a:noFill/>
+        </p:spPr>
+        <p:txBody>
+          <a:bodyPr wrap="square" rtlCol="0">
+            <a:spAutoFit/>
+          </a:bodyPr>
+          <a:lstStyle/>
+          <a:p>
+            <a:pPr marL="285750" indent="-285750">
+              <a:lnSpc>
+                <a:spcPct val="200000"/>
+              </a:lnSpc>
+              <a:buFontTx/>
+              <a:buChar char="-"/>
+            </a:pPr>
+            <a:r>
+              <a:rPr lang="de-DE" sz="2800" dirty="0" smtClean="0"/>
+              <a:t>JAVA</a:t>
+            </a:r>
+          </a:p>
+          <a:p>
+            <a:pPr marL="285750" indent="-285750">
+              <a:lnSpc>
+                <a:spcPct val="200000"/>
+              </a:lnSpc>
+              <a:buFontTx/>
+              <a:buChar char="-"/>
+            </a:pPr>
+            <a:r>
+              <a:rPr lang="de-DE" sz="2800" dirty="0" err="1" smtClean="0"/>
+              <a:t>Jmeter</a:t>
+            </a:r>
+            <a:endParaRPr lang="de-DE" sz="2800" dirty="0"/>
+          </a:p>
+          <a:p>
+            <a:pPr marL="285750" indent="-285750">
+              <a:lnSpc>
+                <a:spcPct val="200000"/>
+              </a:lnSpc>
+              <a:buFontTx/>
+              <a:buChar char="-"/>
+            </a:pPr>
+            <a:r>
+              <a:rPr lang="de-DE" sz="2800" dirty="0" err="1" smtClean="0"/>
+              <a:t>Requests</a:t>
+            </a:r>
+            <a:r>
+              <a:rPr lang="de-DE" sz="2800" dirty="0" smtClean="0"/>
+              <a:t> via UDP</a:t>
+            </a:r>
+          </a:p>
+          <a:p>
+            <a:pPr marL="285750" indent="-285750">
+              <a:buFontTx/>
+              <a:buChar char="-"/>
+            </a:pPr>
+            <a:endParaRPr lang="de-DE" dirty="0"/>
+          </a:p>
+          <a:p>
+            <a:endParaRPr lang="de-DE" dirty="0"/>
+          </a:p>
+        </p:txBody>
+      </p:sp>
+    </p:spTree>
+    <p:extLst>
+      <p:ext uri="{BB962C8B-B14F-4D97-AF65-F5344CB8AC3E}">
+        <p14:creationId xmlns:p14="http://schemas.microsoft.com/office/powerpoint/2010/main" val="178967236"/>
+      </p:ext>
+    </p:extLst>
+  </p:cSld>
+  <p:clrMapOvr>
+    <a:masterClrMapping/>
+  </p:clrMapOvr>
+  <p:timing>
+    <p:tnLst>
+      <p:par>
+        <p:cTn id="1" dur="indefinite" restart="never" nodeType="tmRoot"/>
+      </p:par>
+    </p:tnLst>
+  </p:timing>
+</p:sld>
+</file>
+
+<file path=ppt/slides/slide9.xml><?xml version="1.0" encoding="utf-8"?>
+<p:sld xmlns:a="http://schemas.openxmlformats.org/drawingml/2006/main" xmlns:r="http://schemas.openxmlformats.org/officeDocument/2006/relationships" xmlns:p="http://schemas.openxmlformats.org/presentationml/2006/main">
+  <p:cSld>
+    <p:spTree>
+      <p:nvGrpSpPr>
+        <p:cNvPr id="1" name=""/>
+        <p:cNvGrpSpPr/>
+        <p:nvPr/>
+      </p:nvGrpSpPr>
+      <p:grpSpPr>
+        <a:xfrm>
+          <a:off x="0" y="0"/>
+          <a:ext cx="0" cy="0"/>
+          <a:chOff x="0" y="0"/>
+          <a:chExt cx="0" cy="0"/>
+        </a:xfrm>
+      </p:grpSpPr>
+      <p:sp>
+        <p:nvSpPr>
+          <p:cNvPr id="2" name="Titel 1"/>
+          <p:cNvSpPr>
+            <a:spLocks noGrp="1"/>
+          </p:cNvSpPr>
+          <p:nvPr>
+            <p:ph type="title"/>
+          </p:nvPr>
+        </p:nvSpPr>
+        <p:spPr/>
+        <p:txBody>
+          <a:bodyPr/>
+          <a:lstStyle/>
+          <a:p>
+            <a:pPr algn="ctr"/>
+            <a:r>
+              <a:rPr lang="de-AT" sz="5400" dirty="0" err="1" smtClean="0"/>
+              <a:t>Questions</a:t>
+            </a:r>
+            <a:r>
+              <a:rPr lang="de-AT" sz="5400" dirty="0" smtClean="0"/>
+              <a:t>?</a:t>
+            </a:r>
+            <a:br>
+              <a:rPr lang="de-AT" sz="5400" dirty="0" smtClean="0"/>
+            </a:br>
+            <a:endParaRPr lang="de-AT" sz="5400" dirty="0"/>
+          </a:p>
+        </p:txBody>
+      </p:sp>
+      <p:sp>
+        <p:nvSpPr>
+          <p:cNvPr id="3" name="Textplatzhalter 2"/>
+          <p:cNvSpPr>
+            <a:spLocks noGrp="1"/>
+          </p:cNvSpPr>
+          <p:nvPr>
+            <p:ph type="body" idx="1"/>
+          </p:nvPr>
+        </p:nvSpPr>
+        <p:spPr/>
+        <p:txBody>
+          <a:bodyPr/>
+          <a:lstStyle/>
+          <a:p>
+            <a:endParaRPr lang="de-AT"/>
+          </a:p>
+        </p:txBody>
+      </p:sp>
+    </p:spTree>
+    <p:extLst>
+      <p:ext uri="{BB962C8B-B14F-4D97-AF65-F5344CB8AC3E}">
+        <p14:creationId xmlns:p14="http://schemas.microsoft.com/office/powerpoint/2010/main" val="755128772"/>
       </p:ext>
     </p:extLst>
   </p:cSld>
@@ -6640,7 +8800,7 @@
   <a:extraClrSchemeLst/>
   <a:extLst>
     <a:ext uri="{05A4C25C-085E-4340-85A3-A5531E510DB2}">
-      <thm15:themeFamily xmlns:thm15="http://schemas.microsoft.com/office/thememl/2012/main" xmlns="" name="Ion" id="{B8441ADB-2E43-4AF7-B97A-BD870242C6A8}" vid="{292E63A9-BB86-4E3D-B92A-7223C6510D2E}"/>
+      <thm15:themeFamily xmlns:thm15="http://schemas.microsoft.com/office/thememl/2012/main" name="Ion" id="{B8441ADB-2E43-4AF7-B97A-BD870242C6A8}" vid="{292E63A9-BB86-4E3D-B92A-7223C6510D2E}"/>
     </a:ext>
   </a:extLst>
 </a:theme>
